--- a/unit-test.pptx
+++ b/unit-test.pptx
@@ -5,7 +5,7 @@
     <p:sldMasterId id="2147483648" r:id="rId4"/>
   </p:sldMasterIdLst>
   <p:notesMasterIdLst>
-    <p:notesMasterId r:id="rId25"/>
+    <p:notesMasterId r:id="rId32"/>
   </p:notesMasterIdLst>
   <p:sldIdLst>
     <p:sldId id="256" r:id="rId5"/>
@@ -15,19 +15,26 @@
     <p:sldId id="259" r:id="rId9"/>
     <p:sldId id="264" r:id="rId10"/>
     <p:sldId id="265" r:id="rId11"/>
-    <p:sldId id="266" r:id="rId12"/>
-    <p:sldId id="271" r:id="rId13"/>
-    <p:sldId id="272" r:id="rId14"/>
-    <p:sldId id="273" r:id="rId15"/>
-    <p:sldId id="274" r:id="rId16"/>
-    <p:sldId id="267" r:id="rId17"/>
-    <p:sldId id="268" r:id="rId18"/>
-    <p:sldId id="269" r:id="rId19"/>
-    <p:sldId id="270" r:id="rId20"/>
-    <p:sldId id="262" r:id="rId21"/>
-    <p:sldId id="263" r:id="rId22"/>
-    <p:sldId id="260" r:id="rId23"/>
-    <p:sldId id="261" r:id="rId24"/>
+    <p:sldId id="271" r:id="rId12"/>
+    <p:sldId id="276" r:id="rId13"/>
+    <p:sldId id="277" r:id="rId14"/>
+    <p:sldId id="279" r:id="rId15"/>
+    <p:sldId id="280" r:id="rId16"/>
+    <p:sldId id="281" r:id="rId17"/>
+    <p:sldId id="282" r:id="rId18"/>
+    <p:sldId id="283" r:id="rId19"/>
+    <p:sldId id="278" r:id="rId20"/>
+    <p:sldId id="266" r:id="rId21"/>
+    <p:sldId id="272" r:id="rId22"/>
+    <p:sldId id="273" r:id="rId23"/>
+    <p:sldId id="274" r:id="rId24"/>
+    <p:sldId id="267" r:id="rId25"/>
+    <p:sldId id="268" r:id="rId26"/>
+    <p:sldId id="269" r:id="rId27"/>
+    <p:sldId id="270" r:id="rId28"/>
+    <p:sldId id="262" r:id="rId29"/>
+    <p:sldId id="263" r:id="rId30"/>
+    <p:sldId id="260" r:id="rId31"/>
   </p:sldIdLst>
   <p:sldSz cx="9144000" cy="6858000" type="screen4x3"/>
   <p:notesSz cx="6858000" cy="9144000"/>
@@ -126,6 +133,22 @@
       </a:defRPr>
     </a:lvl9pPr>
   </p:defaultTextStyle>
+  <p:extLst>
+    <p:ext uri="{EFAFB233-063F-42B5-8137-9DF3F51BA10A}">
+      <p15:sldGuideLst xmlns:p15="http://schemas.microsoft.com/office/powerpoint/2012/main">
+        <p15:guide id="1" orient="horz" pos="2160">
+          <p15:clr>
+            <a:srgbClr val="A4A3A4"/>
+          </p15:clr>
+        </p15:guide>
+        <p15:guide id="2" pos="2880">
+          <p15:clr>
+            <a:srgbClr val="A4A3A4"/>
+          </p15:clr>
+        </p15:guide>
+      </p15:sldGuideLst>
+    </p:ext>
+  </p:extLst>
 </p:presentation>
 </file>
 
@@ -216,7 +239,7 @@
             <a:fld id="{CDBCE882-C724-4D6E-A96E-3C69999A0D42}" type="datetimeFigureOut">
               <a:rPr lang="en-US" smtClean="0"/>
               <a:pPr/>
-              <a:t>18/8/16</a:t>
+              <a:t>8/17/18</a:t>
             </a:fld>
             <a:endParaRPr lang="en-US" dirty="0"/>
           </a:p>
@@ -547,6 +570,11 @@
         <p:spPr/>
       </p:sp>
     </p:spTree>
+    <p:extLst>
+      <p:ext uri="{BB962C8B-B14F-4D97-AF65-F5344CB8AC3E}">
+        <p14:creationId xmlns:p14="http://schemas.microsoft.com/office/powerpoint/2010/main" val="1136040863"/>
+      </p:ext>
+    </p:extLst>
   </p:cSld>
   <p:clrMapOvr>
     <a:masterClrMapping/>
@@ -595,7 +623,7 @@
                 </a:solidFill>
               </a:rPr>
               <a:pPr/>
-              <a:t>18/8/16</a:t>
+              <a:t>8/17/18</a:t>
             </a:fld>
             <a:endParaRPr lang="en-US" dirty="0">
               <a:solidFill>
@@ -836,7 +864,7 @@
                 </a:solidFill>
               </a:rPr>
               <a:pPr/>
-              <a:t>18/8/16</a:t>
+              <a:t>8/17/18</a:t>
             </a:fld>
             <a:endParaRPr lang="en-US" dirty="0">
               <a:solidFill>
@@ -1585,13 +1613,13 @@
   <p:clrMapOvr>
     <a:overrideClrMapping bg1="lt1" tx1="dk1" bg2="lt2" tx2="dk2" accent1="accent1" accent2="accent2" accent3="accent3" accent4="accent4" accent5="accent5" accent6="accent6" hlink="hlink" folHlink="folHlink"/>
   </p:clrMapOvr>
-  <p:transition xmlns:p14="http://schemas.microsoft.com/office/powerpoint/2010/main">
+  <p:transition>
     <p:fade/>
   </p:transition>
   <p:timing>
     <p:tnLst>
       <p:par>
-        <p:cTn xmlns:p14="http://schemas.microsoft.com/office/powerpoint/2010/main" id="1" dur="indefinite" restart="never" nodeType="tmRoot"/>
+        <p:cTn id="1" dur="indefinite" restart="never" nodeType="tmRoot"/>
       </p:par>
     </p:tnLst>
   </p:timing>
@@ -1599,6 +1627,2408 @@
 </file>
 
 <file path=ppt/slides/slide10.xml><?xml version="1.0" encoding="utf-8"?>
+<p:sld xmlns:a="http://schemas.openxmlformats.org/drawingml/2006/main" xmlns:r="http://schemas.openxmlformats.org/officeDocument/2006/relationships" xmlns:p="http://schemas.openxmlformats.org/presentationml/2006/main">
+  <p:cSld>
+    <p:spTree>
+      <p:nvGrpSpPr>
+        <p:cNvPr id="1" name=""/>
+        <p:cNvGrpSpPr/>
+        <p:nvPr/>
+      </p:nvGrpSpPr>
+      <p:grpSpPr>
+        <a:xfrm>
+          <a:off x="0" y="0"/>
+          <a:ext cx="0" cy="0"/>
+          <a:chOff x="0" y="0"/>
+          <a:chExt cx="0" cy="0"/>
+        </a:xfrm>
+      </p:grpSpPr>
+      <p:sp>
+        <p:nvSpPr>
+          <p:cNvPr id="2" name="文本框 1"/>
+          <p:cNvSpPr txBox="1"/>
+          <p:nvPr/>
+        </p:nvSpPr>
+        <p:spPr>
+          <a:xfrm>
+            <a:off x="914400" y="990600"/>
+            <a:ext cx="8077200" cy="4247317"/>
+          </a:xfrm>
+          <a:prstGeom prst="rect">
+            <a:avLst/>
+          </a:prstGeom>
+          <a:noFill/>
+        </p:spPr>
+        <p:txBody>
+          <a:bodyPr wrap="square" rtlCol="0">
+            <a:spAutoFit/>
+          </a:bodyPr>
+          <a:lstStyle/>
+          <a:p>
+            <a:r>
+              <a:rPr kumimoji="1" lang="mr-IN" altLang="zh-CN" dirty="0" err="1"/>
+              <a:t>public</a:t>
+            </a:r>
+            <a:r>
+              <a:rPr kumimoji="1" lang="mr-IN" altLang="zh-CN" dirty="0"/>
+              <a:t> </a:t>
+            </a:r>
+            <a:r>
+              <a:rPr kumimoji="1" lang="mr-IN" altLang="zh-CN" dirty="0" err="1"/>
+              <a:t>class</a:t>
+            </a:r>
+            <a:r>
+              <a:rPr kumimoji="1" lang="mr-IN" altLang="zh-CN" dirty="0"/>
+              <a:t> </a:t>
+            </a:r>
+            <a:r>
+              <a:rPr kumimoji="1" lang="mr-IN" altLang="zh-CN" dirty="0" err="1"/>
+              <a:t>CalculaterTest</a:t>
+            </a:r>
+            <a:r>
+              <a:rPr kumimoji="1" lang="mr-IN" altLang="zh-CN" dirty="0"/>
+              <a:t> </a:t>
+            </a:r>
+            <a:r>
+              <a:rPr kumimoji="1" lang="mr-IN" altLang="zh-CN" dirty="0" smtClean="0"/>
+              <a:t>{</a:t>
+            </a:r>
+            <a:endParaRPr kumimoji="1" lang="en-US" altLang="zh-CN" dirty="0" smtClean="0"/>
+          </a:p>
+          <a:p>
+            <a:endParaRPr kumimoji="1" lang="en-US" altLang="zh-CN" dirty="0" smtClean="0"/>
+          </a:p>
+          <a:p>
+            <a:r>
+              <a:rPr kumimoji="1" lang="mr-IN" altLang="zh-CN" dirty="0" smtClean="0"/>
+              <a:t>    </a:t>
+            </a:r>
+            <a:r>
+              <a:rPr kumimoji="1" lang="mr-IN" altLang="zh-CN" dirty="0" err="1"/>
+              <a:t>Calculater</a:t>
+            </a:r>
+            <a:r>
+              <a:rPr kumimoji="1" lang="mr-IN" altLang="zh-CN" dirty="0"/>
+              <a:t> </a:t>
+            </a:r>
+            <a:r>
+              <a:rPr kumimoji="1" lang="mr-IN" altLang="zh-CN" dirty="0" err="1"/>
+              <a:t>calculater</a:t>
+            </a:r>
+            <a:r>
+              <a:rPr kumimoji="1" lang="mr-IN" altLang="zh-CN" dirty="0"/>
+              <a:t> = </a:t>
+            </a:r>
+            <a:r>
+              <a:rPr kumimoji="1" lang="mr-IN" altLang="zh-CN" dirty="0" err="1"/>
+              <a:t>new</a:t>
+            </a:r>
+            <a:r>
+              <a:rPr kumimoji="1" lang="mr-IN" altLang="zh-CN" dirty="0"/>
+              <a:t> </a:t>
+            </a:r>
+            <a:r>
+              <a:rPr kumimoji="1" lang="mr-IN" altLang="zh-CN" dirty="0" err="1"/>
+              <a:t>Calculater</a:t>
+            </a:r>
+            <a:r>
+              <a:rPr kumimoji="1" lang="mr-IN" altLang="zh-CN" dirty="0" smtClean="0"/>
+              <a:t>();</a:t>
+            </a:r>
+            <a:endParaRPr kumimoji="1" lang="en-US" altLang="zh-CN" dirty="0" smtClean="0"/>
+          </a:p>
+          <a:p>
+            <a:endParaRPr kumimoji="1" lang="en-US" altLang="zh-CN" dirty="0" smtClean="0"/>
+          </a:p>
+          <a:p>
+            <a:r>
+              <a:rPr kumimoji="1" lang="mr-IN" altLang="zh-CN" dirty="0" smtClean="0"/>
+              <a:t>    </a:t>
+            </a:r>
+            <a:r>
+              <a:rPr kumimoji="1" lang="mr-IN" altLang="zh-CN" dirty="0"/>
+              <a:t>@</a:t>
+            </a:r>
+            <a:r>
+              <a:rPr kumimoji="1" lang="mr-IN" altLang="zh-CN" dirty="0" err="1"/>
+              <a:t>org.junit.Test</a:t>
+            </a:r>
+            <a:r>
+              <a:rPr kumimoji="1" lang="mr-IN" altLang="zh-CN" dirty="0"/>
+              <a:t>    </a:t>
+            </a:r>
+            <a:r>
+              <a:rPr kumimoji="1" lang="mr-IN" altLang="zh-CN" dirty="0" err="1"/>
+              <a:t>public</a:t>
+            </a:r>
+            <a:r>
+              <a:rPr kumimoji="1" lang="mr-IN" altLang="zh-CN" dirty="0"/>
+              <a:t> </a:t>
+            </a:r>
+            <a:r>
+              <a:rPr kumimoji="1" lang="mr-IN" altLang="zh-CN" dirty="0" err="1"/>
+              <a:t>void</a:t>
+            </a:r>
+            <a:r>
+              <a:rPr kumimoji="1" lang="mr-IN" altLang="zh-CN" dirty="0"/>
+              <a:t> </a:t>
+            </a:r>
+            <a:r>
+              <a:rPr kumimoji="1" lang="mr-IN" altLang="zh-CN" dirty="0" err="1"/>
+              <a:t>testAdd</a:t>
+            </a:r>
+            <a:r>
+              <a:rPr kumimoji="1" lang="mr-IN" altLang="zh-CN" dirty="0"/>
+              <a:t>() </a:t>
+            </a:r>
+            <a:r>
+              <a:rPr kumimoji="1" lang="mr-IN" altLang="zh-CN" dirty="0" smtClean="0"/>
+              <a:t>{</a:t>
+            </a:r>
+            <a:endParaRPr kumimoji="1" lang="en-US" altLang="zh-CN" dirty="0" smtClean="0"/>
+          </a:p>
+          <a:p>
+            <a:endParaRPr kumimoji="1" lang="en-US" altLang="zh-CN" dirty="0" smtClean="0"/>
+          </a:p>
+          <a:p>
+            <a:r>
+              <a:rPr kumimoji="1" lang="mr-IN" altLang="zh-CN" dirty="0" smtClean="0"/>
+              <a:t>        </a:t>
+            </a:r>
+            <a:r>
+              <a:rPr kumimoji="1" lang="mr-IN" altLang="zh-CN" dirty="0" err="1"/>
+              <a:t>int</a:t>
+            </a:r>
+            <a:r>
+              <a:rPr kumimoji="1" lang="mr-IN" altLang="zh-CN" dirty="0"/>
+              <a:t> </a:t>
+            </a:r>
+            <a:r>
+              <a:rPr kumimoji="1" lang="mr-IN" altLang="zh-CN" dirty="0" err="1"/>
+              <a:t>a</a:t>
+            </a:r>
+            <a:r>
+              <a:rPr kumimoji="1" lang="mr-IN" altLang="zh-CN" dirty="0"/>
+              <a:t> = 1</a:t>
+            </a:r>
+            <a:r>
+              <a:rPr kumimoji="1" lang="mr-IN" altLang="zh-CN" dirty="0" smtClean="0"/>
+              <a:t>;</a:t>
+            </a:r>
+            <a:endParaRPr kumimoji="1" lang="en-US" altLang="zh-CN" dirty="0" smtClean="0"/>
+          </a:p>
+          <a:p>
+            <a:endParaRPr kumimoji="1" lang="en-US" altLang="zh-CN" dirty="0" smtClean="0"/>
+          </a:p>
+          <a:p>
+            <a:r>
+              <a:rPr kumimoji="1" lang="mr-IN" altLang="zh-CN" dirty="0" smtClean="0"/>
+              <a:t>        </a:t>
+            </a:r>
+            <a:r>
+              <a:rPr kumimoji="1" lang="mr-IN" altLang="zh-CN" dirty="0" err="1"/>
+              <a:t>int</a:t>
+            </a:r>
+            <a:r>
+              <a:rPr kumimoji="1" lang="mr-IN" altLang="zh-CN" dirty="0"/>
+              <a:t> </a:t>
+            </a:r>
+            <a:r>
+              <a:rPr kumimoji="1" lang="mr-IN" altLang="zh-CN" dirty="0" err="1"/>
+              <a:t>b</a:t>
+            </a:r>
+            <a:r>
+              <a:rPr kumimoji="1" lang="mr-IN" altLang="zh-CN" dirty="0"/>
+              <a:t> = 2</a:t>
+            </a:r>
+            <a:r>
+              <a:rPr kumimoji="1" lang="mr-IN" altLang="zh-CN" dirty="0" smtClean="0"/>
+              <a:t>;</a:t>
+            </a:r>
+            <a:endParaRPr kumimoji="1" lang="en-US" altLang="zh-CN" dirty="0" smtClean="0"/>
+          </a:p>
+          <a:p>
+            <a:endParaRPr kumimoji="1" lang="en-US" altLang="zh-CN" dirty="0" smtClean="0"/>
+          </a:p>
+          <a:p>
+            <a:r>
+              <a:rPr kumimoji="1" lang="mr-IN" altLang="zh-CN" dirty="0" smtClean="0"/>
+              <a:t>        </a:t>
+            </a:r>
+            <a:r>
+              <a:rPr kumimoji="1" lang="mr-IN" altLang="zh-CN" dirty="0" err="1"/>
+              <a:t>int</a:t>
+            </a:r>
+            <a:r>
+              <a:rPr kumimoji="1" lang="mr-IN" altLang="zh-CN" dirty="0"/>
+              <a:t> </a:t>
+            </a:r>
+            <a:r>
+              <a:rPr kumimoji="1" lang="mr-IN" altLang="zh-CN" dirty="0" err="1"/>
+              <a:t>result</a:t>
+            </a:r>
+            <a:r>
+              <a:rPr kumimoji="1" lang="mr-IN" altLang="zh-CN" dirty="0"/>
+              <a:t> = </a:t>
+            </a:r>
+            <a:r>
+              <a:rPr kumimoji="1" lang="mr-IN" altLang="zh-CN" dirty="0" err="1"/>
+              <a:t>calculater.add</a:t>
+            </a:r>
+            <a:r>
+              <a:rPr kumimoji="1" lang="mr-IN" altLang="zh-CN" dirty="0"/>
+              <a:t>(</a:t>
+            </a:r>
+            <a:r>
+              <a:rPr kumimoji="1" lang="mr-IN" altLang="zh-CN" dirty="0" err="1"/>
+              <a:t>a</a:t>
+            </a:r>
+            <a:r>
+              <a:rPr kumimoji="1" lang="mr-IN" altLang="zh-CN" dirty="0"/>
+              <a:t>, </a:t>
+            </a:r>
+            <a:r>
+              <a:rPr kumimoji="1" lang="mr-IN" altLang="zh-CN" dirty="0" err="1"/>
+              <a:t>b</a:t>
+            </a:r>
+            <a:r>
+              <a:rPr kumimoji="1" lang="mr-IN" altLang="zh-CN" dirty="0" smtClean="0"/>
+              <a:t>);</a:t>
+            </a:r>
+            <a:endParaRPr kumimoji="1" lang="en-US" altLang="zh-CN" dirty="0" smtClean="0"/>
+          </a:p>
+          <a:p>
+            <a:endParaRPr kumimoji="1" lang="en-US" altLang="zh-CN" dirty="0" smtClean="0"/>
+          </a:p>
+          <a:p>
+            <a:r>
+              <a:rPr kumimoji="1" lang="mr-IN" altLang="zh-CN" dirty="0" smtClean="0"/>
+              <a:t>        </a:t>
+            </a:r>
+            <a:r>
+              <a:rPr kumimoji="1" lang="mr-IN" altLang="zh-CN" dirty="0" err="1"/>
+              <a:t>Assert.assertEquals</a:t>
+            </a:r>
+            <a:r>
+              <a:rPr kumimoji="1" lang="mr-IN" altLang="zh-CN" dirty="0"/>
+              <a:t>(</a:t>
+            </a:r>
+            <a:r>
+              <a:rPr kumimoji="1" lang="mr-IN" altLang="zh-CN" dirty="0" err="1"/>
+              <a:t>result</a:t>
+            </a:r>
+            <a:r>
+              <a:rPr kumimoji="1" lang="mr-IN" altLang="zh-CN" dirty="0"/>
+              <a:t>, 3); // </a:t>
+            </a:r>
+            <a:r>
+              <a:rPr kumimoji="1" lang="zh-CN" altLang="mr-IN" dirty="0"/>
+              <a:t>验证</a:t>
+            </a:r>
+            <a:r>
+              <a:rPr kumimoji="1" lang="mr-IN" altLang="zh-CN" dirty="0" err="1"/>
+              <a:t>result</a:t>
+            </a:r>
+            <a:r>
+              <a:rPr kumimoji="1" lang="mr-IN" altLang="zh-CN" dirty="0"/>
+              <a:t>==3</a:t>
+            </a:r>
+            <a:r>
+              <a:rPr kumimoji="1" lang="zh-CN" altLang="mr-IN" dirty="0" smtClean="0"/>
+              <a:t>，如果不正确，测试</a:t>
+            </a:r>
+            <a:r>
+              <a:rPr kumimoji="1" lang="en-US" altLang="zh-CN" dirty="0" smtClean="0"/>
+              <a:t>//</a:t>
+            </a:r>
+            <a:r>
+              <a:rPr kumimoji="1" lang="zh-CN" altLang="mr-IN" dirty="0" smtClean="0"/>
+              <a:t>不通过</a:t>
+            </a:r>
+            <a:endParaRPr kumimoji="1" lang="en-US" altLang="zh-CN" dirty="0" smtClean="0"/>
+          </a:p>
+          <a:p>
+            <a:r>
+              <a:rPr kumimoji="1" lang="zh-CN" altLang="mr-IN" dirty="0" smtClean="0"/>
+              <a:t>    </a:t>
+            </a:r>
+            <a:r>
+              <a:rPr kumimoji="1" lang="mr-IN" altLang="zh-CN" dirty="0" smtClean="0"/>
+              <a:t>}</a:t>
+            </a:r>
+            <a:endParaRPr kumimoji="1" lang="en-US" altLang="zh-CN" dirty="0" smtClean="0"/>
+          </a:p>
+          <a:p>
+            <a:r>
+              <a:rPr kumimoji="1" lang="mr-IN" altLang="zh-CN" dirty="0" smtClean="0"/>
+              <a:t>}</a:t>
+            </a:r>
+            <a:endParaRPr kumimoji="1" lang="zh-CN" altLang="en-US" dirty="0"/>
+          </a:p>
+        </p:txBody>
+      </p:sp>
+    </p:spTree>
+    <p:extLst>
+      <p:ext uri="{BB962C8B-B14F-4D97-AF65-F5344CB8AC3E}">
+        <p14:creationId xmlns:p14="http://schemas.microsoft.com/office/powerpoint/2010/main" val="1614149795"/>
+      </p:ext>
+    </p:extLst>
+  </p:cSld>
+  <p:clrMapOvr>
+    <a:masterClrMapping/>
+  </p:clrMapOvr>
+</p:sld>
+</file>
+
+<file path=ppt/slides/slide11.xml><?xml version="1.0" encoding="utf-8"?>
+<p:sld xmlns:a="http://schemas.openxmlformats.org/drawingml/2006/main" xmlns:r="http://schemas.openxmlformats.org/officeDocument/2006/relationships" xmlns:p="http://schemas.openxmlformats.org/presentationml/2006/main">
+  <p:cSld>
+    <p:spTree>
+      <p:nvGrpSpPr>
+        <p:cNvPr id="1" name=""/>
+        <p:cNvGrpSpPr/>
+        <p:nvPr/>
+      </p:nvGrpSpPr>
+      <p:grpSpPr>
+        <a:xfrm>
+          <a:off x="0" y="0"/>
+          <a:ext cx="0" cy="0"/>
+          <a:chOff x="0" y="0"/>
+          <a:chExt cx="0" cy="0"/>
+        </a:xfrm>
+      </p:grpSpPr>
+      <p:pic>
+        <p:nvPicPr>
+          <p:cNvPr id="3" name="图片 2"/>
+          <p:cNvPicPr>
+            <a:picLocks noChangeAspect="1"/>
+          </p:cNvPicPr>
+          <p:nvPr/>
+        </p:nvPicPr>
+        <p:blipFill>
+          <a:blip r:embed="rId2">
+            <a:extLst>
+              <a:ext uri="{28A0092B-C50C-407E-A947-70E740481C1C}">
+                <a14:useLocalDpi xmlns:a14="http://schemas.microsoft.com/office/drawing/2010/main" val="0"/>
+              </a:ext>
+            </a:extLst>
+          </a:blip>
+          <a:stretch>
+            <a:fillRect/>
+          </a:stretch>
+        </p:blipFill>
+        <p:spPr>
+          <a:xfrm>
+            <a:off x="127000" y="1206500"/>
+            <a:ext cx="8890000" cy="4432300"/>
+          </a:xfrm>
+          <a:prstGeom prst="rect">
+            <a:avLst/>
+          </a:prstGeom>
+        </p:spPr>
+      </p:pic>
+    </p:spTree>
+    <p:extLst>
+      <p:ext uri="{BB962C8B-B14F-4D97-AF65-F5344CB8AC3E}">
+        <p14:creationId xmlns:p14="http://schemas.microsoft.com/office/powerpoint/2010/main" val="342844825"/>
+      </p:ext>
+    </p:extLst>
+  </p:cSld>
+  <p:clrMapOvr>
+    <a:masterClrMapping/>
+  </p:clrMapOvr>
+</p:sld>
+</file>
+
+<file path=ppt/slides/slide12.xml><?xml version="1.0" encoding="utf-8"?>
+<p:sld xmlns:a="http://schemas.openxmlformats.org/drawingml/2006/main" xmlns:r="http://schemas.openxmlformats.org/officeDocument/2006/relationships" xmlns:p="http://schemas.openxmlformats.org/presentationml/2006/main">
+  <p:cSld>
+    <p:spTree>
+      <p:nvGrpSpPr>
+        <p:cNvPr id="1" name=""/>
+        <p:cNvGrpSpPr/>
+        <p:nvPr/>
+      </p:nvGrpSpPr>
+      <p:grpSpPr>
+        <a:xfrm>
+          <a:off x="0" y="0"/>
+          <a:ext cx="0" cy="0"/>
+          <a:chOff x="0" y="0"/>
+          <a:chExt cx="0" cy="0"/>
+        </a:xfrm>
+      </p:grpSpPr>
+      <p:pic>
+        <p:nvPicPr>
+          <p:cNvPr id="3" name="图片 2"/>
+          <p:cNvPicPr>
+            <a:picLocks noChangeAspect="1"/>
+          </p:cNvPicPr>
+          <p:nvPr/>
+        </p:nvPicPr>
+        <p:blipFill>
+          <a:blip r:embed="rId2">
+            <a:extLst>
+              <a:ext uri="{28A0092B-C50C-407E-A947-70E740481C1C}">
+                <a14:useLocalDpi xmlns:a14="http://schemas.microsoft.com/office/drawing/2010/main" val="0"/>
+              </a:ext>
+            </a:extLst>
+          </a:blip>
+          <a:stretch>
+            <a:fillRect/>
+          </a:stretch>
+        </p:blipFill>
+        <p:spPr>
+          <a:xfrm>
+            <a:off x="127000" y="2667000"/>
+            <a:ext cx="8890000" cy="1524000"/>
+          </a:xfrm>
+          <a:prstGeom prst="rect">
+            <a:avLst/>
+          </a:prstGeom>
+        </p:spPr>
+      </p:pic>
+    </p:spTree>
+    <p:extLst>
+      <p:ext uri="{BB962C8B-B14F-4D97-AF65-F5344CB8AC3E}">
+        <p14:creationId xmlns:p14="http://schemas.microsoft.com/office/powerpoint/2010/main" val="593368220"/>
+      </p:ext>
+    </p:extLst>
+  </p:cSld>
+  <p:clrMapOvr>
+    <a:masterClrMapping/>
+  </p:clrMapOvr>
+</p:sld>
+</file>
+
+<file path=ppt/slides/slide13.xml><?xml version="1.0" encoding="utf-8"?>
+<p:sld xmlns:a="http://schemas.openxmlformats.org/drawingml/2006/main" xmlns:r="http://schemas.openxmlformats.org/officeDocument/2006/relationships" xmlns:p="http://schemas.openxmlformats.org/presentationml/2006/main">
+  <p:cSld>
+    <p:spTree>
+      <p:nvGrpSpPr>
+        <p:cNvPr id="1" name=""/>
+        <p:cNvGrpSpPr/>
+        <p:nvPr/>
+      </p:nvGrpSpPr>
+      <p:grpSpPr>
+        <a:xfrm>
+          <a:off x="0" y="0"/>
+          <a:ext cx="0" cy="0"/>
+          <a:chOff x="0" y="0"/>
+          <a:chExt cx="0" cy="0"/>
+        </a:xfrm>
+      </p:grpSpPr>
+      <p:sp>
+        <p:nvSpPr>
+          <p:cNvPr id="2" name="文本框 1"/>
+          <p:cNvSpPr txBox="1"/>
+          <p:nvPr/>
+        </p:nvSpPr>
+        <p:spPr>
+          <a:xfrm>
+            <a:off x="694481" y="694481"/>
+            <a:ext cx="5543825" cy="2585323"/>
+          </a:xfrm>
+          <a:prstGeom prst="rect">
+            <a:avLst/>
+          </a:prstGeom>
+          <a:noFill/>
+        </p:spPr>
+        <p:txBody>
+          <a:bodyPr wrap="none" rtlCol="0">
+            <a:spAutoFit/>
+          </a:bodyPr>
+          <a:lstStyle/>
+          <a:p>
+            <a:r>
+              <a:rPr kumimoji="1" lang="mr-IN" altLang="zh-CN" dirty="0" err="1"/>
+              <a:t>public</a:t>
+            </a:r>
+            <a:r>
+              <a:rPr kumimoji="1" lang="mr-IN" altLang="zh-CN" dirty="0"/>
+              <a:t> </a:t>
+            </a:r>
+            <a:r>
+              <a:rPr kumimoji="1" lang="mr-IN" altLang="zh-CN" dirty="0" err="1"/>
+              <a:t>class</a:t>
+            </a:r>
+            <a:r>
+              <a:rPr kumimoji="1" lang="mr-IN" altLang="zh-CN" dirty="0"/>
+              <a:t> </a:t>
+            </a:r>
+            <a:r>
+              <a:rPr kumimoji="1" lang="mr-IN" altLang="zh-CN" dirty="0" err="1"/>
+              <a:t>Calculater</a:t>
+            </a:r>
+            <a:r>
+              <a:rPr kumimoji="1" lang="mr-IN" altLang="zh-CN" dirty="0"/>
+              <a:t> </a:t>
+            </a:r>
+            <a:r>
+              <a:rPr kumimoji="1" lang="mr-IN" altLang="zh-CN" dirty="0" smtClean="0"/>
+              <a:t>{</a:t>
+            </a:r>
+            <a:endParaRPr kumimoji="1" lang="en-US" altLang="zh-CN" dirty="0" smtClean="0"/>
+          </a:p>
+          <a:p>
+            <a:r>
+              <a:rPr kumimoji="1" lang="mr-IN" altLang="zh-CN" dirty="0" smtClean="0"/>
+              <a:t>    </a:t>
+            </a:r>
+            <a:r>
+              <a:rPr kumimoji="1" lang="mr-IN" altLang="zh-CN" dirty="0" err="1"/>
+              <a:t>public</a:t>
+            </a:r>
+            <a:r>
+              <a:rPr kumimoji="1" lang="mr-IN" altLang="zh-CN" dirty="0"/>
+              <a:t> </a:t>
+            </a:r>
+            <a:r>
+              <a:rPr kumimoji="1" lang="mr-IN" altLang="zh-CN" dirty="0" err="1"/>
+              <a:t>double</a:t>
+            </a:r>
+            <a:r>
+              <a:rPr kumimoji="1" lang="mr-IN" altLang="zh-CN" dirty="0"/>
+              <a:t> </a:t>
+            </a:r>
+            <a:r>
+              <a:rPr kumimoji="1" lang="mr-IN" altLang="zh-CN" dirty="0" err="1"/>
+              <a:t>divide</a:t>
+            </a:r>
+            <a:r>
+              <a:rPr kumimoji="1" lang="mr-IN" altLang="zh-CN" dirty="0"/>
+              <a:t>(</a:t>
+            </a:r>
+            <a:r>
+              <a:rPr kumimoji="1" lang="mr-IN" altLang="zh-CN" dirty="0" err="1"/>
+              <a:t>int</a:t>
+            </a:r>
+            <a:r>
+              <a:rPr kumimoji="1" lang="mr-IN" altLang="zh-CN" dirty="0"/>
+              <a:t> </a:t>
+            </a:r>
+            <a:r>
+              <a:rPr kumimoji="1" lang="mr-IN" altLang="zh-CN" dirty="0" err="1"/>
+              <a:t>a</a:t>
+            </a:r>
+            <a:r>
+              <a:rPr kumimoji="1" lang="mr-IN" altLang="zh-CN" dirty="0"/>
+              <a:t>, </a:t>
+            </a:r>
+            <a:r>
+              <a:rPr kumimoji="1" lang="mr-IN" altLang="zh-CN" dirty="0" err="1"/>
+              <a:t>int</a:t>
+            </a:r>
+            <a:r>
+              <a:rPr kumimoji="1" lang="mr-IN" altLang="zh-CN" dirty="0"/>
+              <a:t> </a:t>
+            </a:r>
+            <a:r>
+              <a:rPr kumimoji="1" lang="mr-IN" altLang="zh-CN" dirty="0" err="1"/>
+              <a:t>b</a:t>
+            </a:r>
+            <a:r>
+              <a:rPr kumimoji="1" lang="mr-IN" altLang="zh-CN" dirty="0"/>
+              <a:t>) </a:t>
+            </a:r>
+            <a:r>
+              <a:rPr kumimoji="1" lang="mr-IN" altLang="zh-CN" dirty="0" smtClean="0"/>
+              <a:t>{</a:t>
+            </a:r>
+            <a:endParaRPr kumimoji="1" lang="en-US" altLang="zh-CN" dirty="0" smtClean="0"/>
+          </a:p>
+          <a:p>
+            <a:r>
+              <a:rPr kumimoji="1" lang="mr-IN" altLang="zh-CN" dirty="0" smtClean="0"/>
+              <a:t>        </a:t>
+            </a:r>
+            <a:r>
+              <a:rPr kumimoji="1" lang="mr-IN" altLang="zh-CN" dirty="0"/>
+              <a:t>// </a:t>
+            </a:r>
+            <a:r>
+              <a:rPr kumimoji="1" lang="zh-CN" altLang="mr-IN" dirty="0"/>
+              <a:t>检测被除数是否为</a:t>
+            </a:r>
+            <a:r>
+              <a:rPr kumimoji="1" lang="mr-IN" altLang="zh-CN" dirty="0" smtClean="0"/>
+              <a:t>0</a:t>
+            </a:r>
+            <a:endParaRPr kumimoji="1" lang="en-US" altLang="zh-CN" dirty="0" smtClean="0"/>
+          </a:p>
+          <a:p>
+            <a:r>
+              <a:rPr kumimoji="1" lang="mr-IN" altLang="zh-CN" dirty="0" smtClean="0"/>
+              <a:t>        </a:t>
+            </a:r>
+            <a:r>
+              <a:rPr kumimoji="1" lang="mr-IN" altLang="zh-CN" dirty="0" err="1"/>
+              <a:t>if</a:t>
+            </a:r>
+            <a:r>
+              <a:rPr kumimoji="1" lang="mr-IN" altLang="zh-CN" dirty="0"/>
+              <a:t> (</a:t>
+            </a:r>
+            <a:r>
+              <a:rPr kumimoji="1" lang="mr-IN" altLang="zh-CN" dirty="0" err="1"/>
+              <a:t>MathUtils.checkZero</a:t>
+            </a:r>
+            <a:r>
+              <a:rPr kumimoji="1" lang="mr-IN" altLang="zh-CN" dirty="0"/>
+              <a:t>(</a:t>
+            </a:r>
+            <a:r>
+              <a:rPr kumimoji="1" lang="mr-IN" altLang="zh-CN" dirty="0" err="1"/>
+              <a:t>b</a:t>
+            </a:r>
+            <a:r>
+              <a:rPr kumimoji="1" lang="mr-IN" altLang="zh-CN" dirty="0"/>
+              <a:t>)) </a:t>
+            </a:r>
+            <a:r>
+              <a:rPr kumimoji="1" lang="mr-IN" altLang="zh-CN" dirty="0" smtClean="0"/>
+              <a:t>{</a:t>
+            </a:r>
+            <a:endParaRPr kumimoji="1" lang="en-US" altLang="zh-CN" dirty="0" smtClean="0"/>
+          </a:p>
+          <a:p>
+            <a:r>
+              <a:rPr kumimoji="1" lang="mr-IN" altLang="zh-CN" dirty="0" smtClean="0"/>
+              <a:t>            </a:t>
+            </a:r>
+            <a:r>
+              <a:rPr kumimoji="1" lang="mr-IN" altLang="zh-CN" dirty="0" err="1"/>
+              <a:t>throw</a:t>
+            </a:r>
+            <a:r>
+              <a:rPr kumimoji="1" lang="mr-IN" altLang="zh-CN" dirty="0"/>
+              <a:t> </a:t>
+            </a:r>
+            <a:r>
+              <a:rPr kumimoji="1" lang="mr-IN" altLang="zh-CN" dirty="0" err="1"/>
+              <a:t>new</a:t>
+            </a:r>
+            <a:r>
+              <a:rPr kumimoji="1" lang="mr-IN" altLang="zh-CN" dirty="0"/>
+              <a:t> </a:t>
+            </a:r>
+            <a:r>
+              <a:rPr kumimoji="1" lang="mr-IN" altLang="zh-CN" dirty="0" err="1"/>
+              <a:t>RuntimeException</a:t>
+            </a:r>
+            <a:r>
+              <a:rPr kumimoji="1" lang="mr-IN" altLang="zh-CN" dirty="0"/>
+              <a:t>("</a:t>
+            </a:r>
+            <a:r>
+              <a:rPr kumimoji="1" lang="mr-IN" altLang="zh-CN" dirty="0" err="1"/>
+              <a:t>dividend</a:t>
+            </a:r>
+            <a:r>
+              <a:rPr kumimoji="1" lang="mr-IN" altLang="zh-CN" dirty="0"/>
+              <a:t> </a:t>
+            </a:r>
+            <a:r>
+              <a:rPr kumimoji="1" lang="mr-IN" altLang="zh-CN" dirty="0" err="1"/>
+              <a:t>is</a:t>
+            </a:r>
+            <a:r>
+              <a:rPr kumimoji="1" lang="mr-IN" altLang="zh-CN" dirty="0"/>
+              <a:t> </a:t>
+            </a:r>
+            <a:r>
+              <a:rPr kumimoji="1" lang="mr-IN" altLang="zh-CN" dirty="0" err="1"/>
+              <a:t>zero</a:t>
+            </a:r>
+            <a:r>
+              <a:rPr kumimoji="1" lang="mr-IN" altLang="zh-CN" dirty="0" smtClean="0"/>
+              <a:t>");</a:t>
+            </a:r>
+            <a:endParaRPr kumimoji="1" lang="en-US" altLang="zh-CN" dirty="0" smtClean="0"/>
+          </a:p>
+          <a:p>
+            <a:r>
+              <a:rPr kumimoji="1" lang="mr-IN" altLang="zh-CN" dirty="0" smtClean="0"/>
+              <a:t>        }</a:t>
+            </a:r>
+            <a:endParaRPr kumimoji="1" lang="en-US" altLang="zh-CN" dirty="0" smtClean="0"/>
+          </a:p>
+          <a:p>
+            <a:r>
+              <a:rPr kumimoji="1" lang="mr-IN" altLang="zh-CN" dirty="0" smtClean="0"/>
+              <a:t>        </a:t>
+            </a:r>
+            <a:r>
+              <a:rPr kumimoji="1" lang="mr-IN" altLang="zh-CN" dirty="0" err="1"/>
+              <a:t>return</a:t>
+            </a:r>
+            <a:r>
+              <a:rPr kumimoji="1" lang="mr-IN" altLang="zh-CN" dirty="0"/>
+              <a:t> (</a:t>
+            </a:r>
+            <a:r>
+              <a:rPr kumimoji="1" lang="mr-IN" altLang="zh-CN" dirty="0" err="1"/>
+              <a:t>double</a:t>
+            </a:r>
+            <a:r>
+              <a:rPr kumimoji="1" lang="mr-IN" altLang="zh-CN" dirty="0"/>
+              <a:t>) </a:t>
+            </a:r>
+            <a:r>
+              <a:rPr kumimoji="1" lang="mr-IN" altLang="zh-CN" dirty="0" err="1"/>
+              <a:t>a</a:t>
+            </a:r>
+            <a:r>
+              <a:rPr kumimoji="1" lang="mr-IN" altLang="zh-CN" dirty="0"/>
+              <a:t> / </a:t>
+            </a:r>
+            <a:r>
+              <a:rPr kumimoji="1" lang="mr-IN" altLang="zh-CN" dirty="0" err="1"/>
+              <a:t>b</a:t>
+            </a:r>
+            <a:r>
+              <a:rPr kumimoji="1" lang="mr-IN" altLang="zh-CN" dirty="0" smtClean="0"/>
+              <a:t>;</a:t>
+            </a:r>
+            <a:endParaRPr kumimoji="1" lang="en-US" altLang="zh-CN" dirty="0" smtClean="0"/>
+          </a:p>
+          <a:p>
+            <a:r>
+              <a:rPr kumimoji="1" lang="mr-IN" altLang="zh-CN" dirty="0" smtClean="0"/>
+              <a:t>    }</a:t>
+            </a:r>
+            <a:endParaRPr kumimoji="1" lang="en-US" altLang="zh-CN" dirty="0" smtClean="0"/>
+          </a:p>
+          <a:p>
+            <a:r>
+              <a:rPr kumimoji="1" lang="mr-IN" altLang="zh-CN" dirty="0" smtClean="0"/>
+              <a:t>}</a:t>
+            </a:r>
+            <a:endParaRPr kumimoji="1" lang="zh-CN" altLang="en-US" dirty="0"/>
+          </a:p>
+        </p:txBody>
+      </p:sp>
+      <p:sp>
+        <p:nvSpPr>
+          <p:cNvPr id="3" name="文本框 2"/>
+          <p:cNvSpPr txBox="1"/>
+          <p:nvPr/>
+        </p:nvSpPr>
+        <p:spPr>
+          <a:xfrm>
+            <a:off x="798653" y="4074289"/>
+            <a:ext cx="4518609" cy="1200329"/>
+          </a:xfrm>
+          <a:prstGeom prst="rect">
+            <a:avLst/>
+          </a:prstGeom>
+          <a:noFill/>
+        </p:spPr>
+        <p:txBody>
+          <a:bodyPr wrap="none" rtlCol="0">
+            <a:spAutoFit/>
+          </a:bodyPr>
+          <a:lstStyle/>
+          <a:p>
+            <a:r>
+              <a:rPr kumimoji="1" lang="en-US" altLang="zh-CN" dirty="0" smtClean="0"/>
+              <a:t>//public </a:t>
+            </a:r>
+            <a:r>
+              <a:rPr kumimoji="1" lang="en-US" altLang="zh-CN" dirty="0"/>
+              <a:t>class </a:t>
+            </a:r>
+            <a:r>
+              <a:rPr kumimoji="1" lang="en-US" altLang="zh-CN" dirty="0" err="1"/>
+              <a:t>MathUtils</a:t>
+            </a:r>
+            <a:r>
+              <a:rPr kumimoji="1" lang="en-US" altLang="zh-CN" dirty="0"/>
+              <a:t> </a:t>
+            </a:r>
+            <a:r>
+              <a:rPr kumimoji="1" lang="en-US" altLang="zh-CN" dirty="0" smtClean="0"/>
+              <a:t>{</a:t>
+            </a:r>
+          </a:p>
+          <a:p>
+            <a:r>
+              <a:rPr kumimoji="1" lang="en-US" altLang="zh-CN" dirty="0" smtClean="0"/>
+              <a:t>    //public </a:t>
+            </a:r>
+            <a:r>
+              <a:rPr kumimoji="1" lang="en-US" altLang="zh-CN" dirty="0"/>
+              <a:t>static </a:t>
+            </a:r>
+            <a:r>
+              <a:rPr kumimoji="1" lang="en-US" altLang="zh-CN" dirty="0" err="1"/>
+              <a:t>boolean</a:t>
+            </a:r>
+            <a:r>
+              <a:rPr kumimoji="1" lang="en-US" altLang="zh-CN" dirty="0"/>
+              <a:t> </a:t>
+            </a:r>
+            <a:r>
+              <a:rPr kumimoji="1" lang="en-US" altLang="zh-CN" dirty="0" err="1"/>
+              <a:t>checkZero</a:t>
+            </a:r>
+            <a:r>
+              <a:rPr kumimoji="1" lang="en-US" altLang="zh-CN" dirty="0"/>
+              <a:t>(</a:t>
+            </a:r>
+            <a:r>
+              <a:rPr kumimoji="1" lang="en-US" altLang="zh-CN" dirty="0" err="1"/>
+              <a:t>int</a:t>
+            </a:r>
+            <a:r>
+              <a:rPr kumimoji="1" lang="en-US" altLang="zh-CN" dirty="0"/>
+              <a:t> </a:t>
+            </a:r>
+            <a:r>
+              <a:rPr kumimoji="1" lang="en-US" altLang="zh-CN" dirty="0" err="1"/>
+              <a:t>num</a:t>
+            </a:r>
+            <a:r>
+              <a:rPr kumimoji="1" lang="en-US" altLang="zh-CN" dirty="0"/>
+              <a:t>) </a:t>
+            </a:r>
+            <a:r>
+              <a:rPr kumimoji="1" lang="en-US" altLang="zh-CN" dirty="0" smtClean="0"/>
+              <a:t>{</a:t>
+            </a:r>
+          </a:p>
+          <a:p>
+            <a:r>
+              <a:rPr kumimoji="1" lang="en-US" altLang="zh-CN" dirty="0" smtClean="0"/>
+              <a:t>        //return </a:t>
+            </a:r>
+            <a:r>
+              <a:rPr kumimoji="1" lang="en-US" altLang="zh-CN" dirty="0" err="1"/>
+              <a:t>num</a:t>
+            </a:r>
+            <a:r>
+              <a:rPr kumimoji="1" lang="en-US" altLang="zh-CN" dirty="0"/>
+              <a:t> == 0</a:t>
+            </a:r>
+            <a:r>
+              <a:rPr kumimoji="1" lang="en-US" altLang="zh-CN" dirty="0" smtClean="0"/>
+              <a:t>;</a:t>
+            </a:r>
+          </a:p>
+          <a:p>
+            <a:r>
+              <a:rPr kumimoji="1" lang="en-US" altLang="zh-CN" dirty="0" smtClean="0"/>
+              <a:t>    //}}</a:t>
+            </a:r>
+            <a:endParaRPr kumimoji="1" lang="zh-CN" altLang="en-US" dirty="0"/>
+          </a:p>
+        </p:txBody>
+      </p:sp>
+      <p:sp>
+        <p:nvSpPr>
+          <p:cNvPr id="4" name="文本框 3"/>
+          <p:cNvSpPr txBox="1"/>
+          <p:nvPr/>
+        </p:nvSpPr>
+        <p:spPr>
+          <a:xfrm>
+            <a:off x="798653" y="325149"/>
+            <a:ext cx="1800493" cy="369332"/>
+          </a:xfrm>
+          <a:prstGeom prst="rect">
+            <a:avLst/>
+          </a:prstGeom>
+          <a:noFill/>
+        </p:spPr>
+        <p:txBody>
+          <a:bodyPr wrap="none" rtlCol="0">
+            <a:spAutoFit/>
+          </a:bodyPr>
+          <a:lstStyle/>
+          <a:p>
+            <a:r>
+              <a:rPr kumimoji="1" lang="zh-CN" altLang="en-US" dirty="0" smtClean="0"/>
+              <a:t>复杂一些的例子</a:t>
+            </a:r>
+            <a:endParaRPr kumimoji="1" lang="zh-CN" altLang="en-US" dirty="0"/>
+          </a:p>
+        </p:txBody>
+      </p:sp>
+      <p:sp>
+        <p:nvSpPr>
+          <p:cNvPr id="8" name="文本框 7"/>
+          <p:cNvSpPr txBox="1"/>
+          <p:nvPr/>
+        </p:nvSpPr>
+        <p:spPr>
+          <a:xfrm>
+            <a:off x="775504" y="5648446"/>
+            <a:ext cx="4570482" cy="369332"/>
+          </a:xfrm>
+          <a:prstGeom prst="rect">
+            <a:avLst/>
+          </a:prstGeom>
+          <a:noFill/>
+        </p:spPr>
+        <p:txBody>
+          <a:bodyPr wrap="none" rtlCol="0">
+            <a:spAutoFit/>
+          </a:bodyPr>
+          <a:lstStyle/>
+          <a:p>
+            <a:r>
+              <a:rPr kumimoji="1" lang="zh-CN" altLang="en-US" dirty="0" smtClean="0"/>
+              <a:t>条件判断，一般条件判断和边界条件的判断</a:t>
+            </a:r>
+            <a:endParaRPr kumimoji="1" lang="zh-CN" altLang="en-US" dirty="0"/>
+          </a:p>
+        </p:txBody>
+      </p:sp>
+      <p:sp>
+        <p:nvSpPr>
+          <p:cNvPr id="9" name="文本框 8"/>
+          <p:cNvSpPr txBox="1"/>
+          <p:nvPr/>
+        </p:nvSpPr>
+        <p:spPr>
+          <a:xfrm>
+            <a:off x="798653" y="3515795"/>
+            <a:ext cx="5022529" cy="369332"/>
+          </a:xfrm>
+          <a:prstGeom prst="rect">
+            <a:avLst/>
+          </a:prstGeom>
+          <a:noFill/>
+        </p:spPr>
+        <p:txBody>
+          <a:bodyPr wrap="none" rtlCol="0">
+            <a:spAutoFit/>
+          </a:bodyPr>
+          <a:lstStyle/>
+          <a:p>
+            <a:r>
+              <a:rPr kumimoji="1" lang="zh-CN" altLang="en-US" dirty="0" smtClean="0"/>
+              <a:t>先对条件判断做测试，但是条件判断使用其他类</a:t>
+            </a:r>
+            <a:endParaRPr kumimoji="1" lang="zh-CN" altLang="en-US" dirty="0"/>
+          </a:p>
+        </p:txBody>
+      </p:sp>
+    </p:spTree>
+    <p:extLst>
+      <p:ext uri="{BB962C8B-B14F-4D97-AF65-F5344CB8AC3E}">
+        <p14:creationId xmlns:p14="http://schemas.microsoft.com/office/powerpoint/2010/main" val="724939491"/>
+      </p:ext>
+    </p:extLst>
+  </p:cSld>
+  <p:clrMapOvr>
+    <a:masterClrMapping/>
+  </p:clrMapOvr>
+</p:sld>
+</file>
+
+<file path=ppt/slides/slide14.xml><?xml version="1.0" encoding="utf-8"?>
+<p:sld xmlns:a="http://schemas.openxmlformats.org/drawingml/2006/main" xmlns:r="http://schemas.openxmlformats.org/officeDocument/2006/relationships" xmlns:p="http://schemas.openxmlformats.org/presentationml/2006/main">
+  <p:cSld>
+    <p:spTree>
+      <p:nvGrpSpPr>
+        <p:cNvPr id="1" name=""/>
+        <p:cNvGrpSpPr/>
+        <p:nvPr/>
+      </p:nvGrpSpPr>
+      <p:grpSpPr>
+        <a:xfrm>
+          <a:off x="0" y="0"/>
+          <a:ext cx="0" cy="0"/>
+          <a:chOff x="0" y="0"/>
+          <a:chExt cx="0" cy="0"/>
+        </a:xfrm>
+      </p:grpSpPr>
+      <p:sp>
+        <p:nvSpPr>
+          <p:cNvPr id="2" name="文本框 1"/>
+          <p:cNvSpPr txBox="1"/>
+          <p:nvPr/>
+        </p:nvSpPr>
+        <p:spPr>
+          <a:xfrm>
+            <a:off x="457831" y="228600"/>
+            <a:ext cx="1686680" cy="369332"/>
+          </a:xfrm>
+          <a:prstGeom prst="rect">
+            <a:avLst/>
+          </a:prstGeom>
+          <a:noFill/>
+        </p:spPr>
+        <p:txBody>
+          <a:bodyPr wrap="none" rtlCol="0">
+            <a:spAutoFit/>
+          </a:bodyPr>
+          <a:lstStyle/>
+          <a:p>
+            <a:r>
+              <a:rPr kumimoji="1" lang="en-US" altLang="zh-CN" dirty="0" smtClean="0"/>
+              <a:t>1</a:t>
+            </a:r>
+            <a:r>
+              <a:rPr kumimoji="1" lang="zh-CN" altLang="en-US" dirty="0" smtClean="0"/>
+              <a:t>一行一行覆盖</a:t>
+            </a:r>
+            <a:endParaRPr kumimoji="1" lang="zh-CN" altLang="en-US" dirty="0"/>
+          </a:p>
+        </p:txBody>
+      </p:sp>
+      <p:sp>
+        <p:nvSpPr>
+          <p:cNvPr id="3" name="文本框 2"/>
+          <p:cNvSpPr txBox="1"/>
+          <p:nvPr/>
+        </p:nvSpPr>
+        <p:spPr>
+          <a:xfrm>
+            <a:off x="457831" y="838200"/>
+            <a:ext cx="2928366" cy="369332"/>
+          </a:xfrm>
+          <a:prstGeom prst="rect">
+            <a:avLst/>
+          </a:prstGeom>
+          <a:noFill/>
+        </p:spPr>
+        <p:txBody>
+          <a:bodyPr wrap="square" rtlCol="0">
+            <a:spAutoFit/>
+          </a:bodyPr>
+          <a:lstStyle/>
+          <a:p>
+            <a:r>
+              <a:rPr kumimoji="1" lang="en-US" altLang="zh-CN" dirty="0" smtClean="0"/>
+              <a:t>2.</a:t>
+            </a:r>
+            <a:r>
+              <a:rPr kumimoji="1" lang="zh-CN" altLang="en-US" dirty="0" smtClean="0"/>
+              <a:t>隔离依赖，使用</a:t>
+            </a:r>
+            <a:r>
+              <a:rPr kumimoji="1" lang="en-US" altLang="zh-CN" dirty="0" smtClean="0"/>
+              <a:t>mock</a:t>
+            </a:r>
+            <a:endParaRPr kumimoji="1" lang="zh-CN" altLang="en-US" dirty="0"/>
+          </a:p>
+        </p:txBody>
+      </p:sp>
+      <p:sp>
+        <p:nvSpPr>
+          <p:cNvPr id="5" name="文本框 4"/>
+          <p:cNvSpPr txBox="1"/>
+          <p:nvPr/>
+        </p:nvSpPr>
+        <p:spPr>
+          <a:xfrm>
+            <a:off x="76200" y="1447800"/>
+            <a:ext cx="8915399" cy="4524315"/>
+          </a:xfrm>
+          <a:prstGeom prst="rect">
+            <a:avLst/>
+          </a:prstGeom>
+          <a:noFill/>
+        </p:spPr>
+        <p:txBody>
+          <a:bodyPr wrap="square" rtlCol="0">
+            <a:spAutoFit/>
+          </a:bodyPr>
+          <a:lstStyle/>
+          <a:p>
+            <a:r>
+              <a:rPr kumimoji="1" lang="en-US" altLang="zh-CN" dirty="0"/>
+              <a:t>public static void main(String[] </a:t>
+            </a:r>
+            <a:r>
+              <a:rPr kumimoji="1" lang="en-US" altLang="zh-CN" dirty="0" err="1"/>
+              <a:t>args</a:t>
+            </a:r>
+            <a:r>
+              <a:rPr kumimoji="1" lang="en-US" altLang="zh-CN" dirty="0"/>
+              <a:t>) </a:t>
+            </a:r>
+            <a:r>
+              <a:rPr kumimoji="1" lang="en-US" altLang="zh-CN" dirty="0" smtClean="0"/>
+              <a:t>{</a:t>
+            </a:r>
+          </a:p>
+          <a:p>
+            <a:r>
+              <a:rPr kumimoji="1" lang="en-US" altLang="zh-CN" dirty="0" smtClean="0"/>
+              <a:t>    </a:t>
+            </a:r>
+            <a:r>
+              <a:rPr kumimoji="1" lang="en-US" altLang="zh-CN" dirty="0"/>
+              <a:t>// </a:t>
+            </a:r>
+            <a:r>
+              <a:rPr kumimoji="1" lang="zh-CN" altLang="en-US" dirty="0"/>
+              <a:t>生成</a:t>
+            </a:r>
+            <a:r>
+              <a:rPr kumimoji="1" lang="en-US" altLang="zh-CN" dirty="0" err="1"/>
+              <a:t>IMathUtils</a:t>
+            </a:r>
+            <a:r>
+              <a:rPr kumimoji="1" lang="zh-CN" altLang="en-US" dirty="0"/>
+              <a:t>模拟</a:t>
+            </a:r>
+            <a:r>
+              <a:rPr kumimoji="1" lang="zh-CN" altLang="en-US" dirty="0" smtClean="0"/>
+              <a:t>对象</a:t>
+            </a:r>
+            <a:endParaRPr kumimoji="1" lang="en-US" altLang="zh-CN" dirty="0" smtClean="0"/>
+          </a:p>
+          <a:p>
+            <a:r>
+              <a:rPr kumimoji="1" lang="zh-CN" altLang="en-US" dirty="0" smtClean="0"/>
+              <a:t>    </a:t>
+            </a:r>
+            <a:r>
+              <a:rPr kumimoji="1" lang="en-US" altLang="zh-CN" dirty="0" err="1"/>
+              <a:t>IMathUtils</a:t>
+            </a:r>
+            <a:r>
+              <a:rPr kumimoji="1" lang="en-US" altLang="zh-CN" dirty="0"/>
+              <a:t> </a:t>
+            </a:r>
+            <a:r>
+              <a:rPr kumimoji="1" lang="en-US" altLang="zh-CN" dirty="0" err="1"/>
+              <a:t>mathUtils</a:t>
+            </a:r>
+            <a:r>
+              <a:rPr kumimoji="1" lang="en-US" altLang="zh-CN" dirty="0"/>
+              <a:t> = mock(</a:t>
+            </a:r>
+            <a:r>
+              <a:rPr kumimoji="1" lang="en-US" altLang="zh-CN" dirty="0" err="1"/>
+              <a:t>IMathUtils.class</a:t>
+            </a:r>
+            <a:r>
+              <a:rPr kumimoji="1" lang="en-US" altLang="zh-CN" dirty="0" smtClean="0"/>
+              <a:t>);</a:t>
+            </a:r>
+          </a:p>
+          <a:p>
+            <a:r>
+              <a:rPr kumimoji="1" lang="en-US" altLang="zh-CN" dirty="0" smtClean="0"/>
+              <a:t>    </a:t>
+            </a:r>
+            <a:r>
+              <a:rPr kumimoji="1" lang="en-US" altLang="zh-CN" dirty="0"/>
+              <a:t>when(</a:t>
+            </a:r>
+            <a:r>
+              <a:rPr kumimoji="1" lang="en-US" altLang="zh-CN" dirty="0" err="1"/>
+              <a:t>mathUtils.checkZero</a:t>
+            </a:r>
+            <a:r>
+              <a:rPr kumimoji="1" lang="en-US" altLang="zh-CN" dirty="0"/>
+              <a:t>(1)).</a:t>
+            </a:r>
+            <a:r>
+              <a:rPr kumimoji="1" lang="en-US" altLang="zh-CN" dirty="0" err="1"/>
+              <a:t>thenReturn</a:t>
+            </a:r>
+            <a:r>
+              <a:rPr kumimoji="1" lang="en-US" altLang="zh-CN" dirty="0"/>
+              <a:t>(false); // </a:t>
+            </a:r>
+            <a:r>
+              <a:rPr kumimoji="1" lang="zh-CN" altLang="en-US" dirty="0"/>
+              <a:t>当</a:t>
+            </a:r>
+            <a:r>
+              <a:rPr kumimoji="1" lang="en-US" altLang="zh-CN" dirty="0" err="1"/>
+              <a:t>num</a:t>
+            </a:r>
+            <a:r>
+              <a:rPr kumimoji="1" lang="en-US" altLang="zh-CN" dirty="0"/>
+              <a:t>==1</a:t>
+            </a:r>
+            <a:r>
+              <a:rPr kumimoji="1" lang="zh-CN" altLang="en-US" dirty="0"/>
+              <a:t>时，</a:t>
+            </a:r>
+            <a:r>
+              <a:rPr kumimoji="1" lang="en-US" altLang="zh-CN" dirty="0" err="1"/>
+              <a:t>checkZero</a:t>
+            </a:r>
+            <a:r>
+              <a:rPr kumimoji="1" lang="en-US" altLang="zh-CN" dirty="0"/>
+              <a:t>(</a:t>
+            </a:r>
+            <a:r>
+              <a:rPr kumimoji="1" lang="en-US" altLang="zh-CN" dirty="0" err="1"/>
+              <a:t>num</a:t>
+            </a:r>
+            <a:r>
+              <a:rPr kumimoji="1" lang="en-US" altLang="zh-CN" dirty="0"/>
+              <a:t>)</a:t>
+            </a:r>
+            <a:r>
+              <a:rPr kumimoji="1" lang="zh-CN" altLang="en-US" dirty="0"/>
+              <a:t>返回</a:t>
+            </a:r>
+            <a:r>
+              <a:rPr kumimoji="1" lang="en-US" altLang="zh-CN" dirty="0" smtClean="0"/>
+              <a:t>false</a:t>
+            </a:r>
+          </a:p>
+          <a:p>
+            <a:r>
+              <a:rPr kumimoji="1" lang="en-US" altLang="zh-CN" dirty="0" smtClean="0"/>
+              <a:t>    </a:t>
+            </a:r>
+            <a:r>
+              <a:rPr kumimoji="1" lang="en-US" altLang="zh-CN" dirty="0"/>
+              <a:t>when(</a:t>
+            </a:r>
+            <a:r>
+              <a:rPr kumimoji="1" lang="en-US" altLang="zh-CN" dirty="0" err="1"/>
+              <a:t>mathUtils.checkZero</a:t>
+            </a:r>
+            <a:r>
+              <a:rPr kumimoji="1" lang="en-US" altLang="zh-CN" dirty="0"/>
+              <a:t>(0)).</a:t>
+            </a:r>
+            <a:r>
+              <a:rPr kumimoji="1" lang="en-US" altLang="zh-CN" dirty="0" err="1"/>
+              <a:t>thenReturn</a:t>
+            </a:r>
+            <a:r>
+              <a:rPr kumimoji="1" lang="en-US" altLang="zh-CN" dirty="0"/>
+              <a:t>(true); // </a:t>
+            </a:r>
+            <a:r>
+              <a:rPr kumimoji="1" lang="zh-CN" altLang="en-US" dirty="0"/>
+              <a:t>当</a:t>
+            </a:r>
+            <a:r>
+              <a:rPr kumimoji="1" lang="en-US" altLang="zh-CN" dirty="0" err="1"/>
+              <a:t>num</a:t>
+            </a:r>
+            <a:r>
+              <a:rPr kumimoji="1" lang="en-US" altLang="zh-CN" dirty="0"/>
+              <a:t>==0</a:t>
+            </a:r>
+            <a:r>
+              <a:rPr kumimoji="1" lang="zh-CN" altLang="en-US" dirty="0"/>
+              <a:t>时，</a:t>
+            </a:r>
+            <a:r>
+              <a:rPr kumimoji="1" lang="en-US" altLang="zh-CN" dirty="0" err="1"/>
+              <a:t>checkZero</a:t>
+            </a:r>
+            <a:r>
+              <a:rPr kumimoji="1" lang="en-US" altLang="zh-CN" dirty="0"/>
+              <a:t>(</a:t>
+            </a:r>
+            <a:r>
+              <a:rPr kumimoji="1" lang="en-US" altLang="zh-CN" dirty="0" err="1"/>
+              <a:t>num</a:t>
+            </a:r>
+            <a:r>
+              <a:rPr kumimoji="1" lang="en-US" altLang="zh-CN" dirty="0"/>
+              <a:t>)</a:t>
+            </a:r>
+            <a:r>
+              <a:rPr kumimoji="1" lang="zh-CN" altLang="en-US" dirty="0"/>
+              <a:t>返回</a:t>
+            </a:r>
+            <a:r>
+              <a:rPr kumimoji="1" lang="en-US" altLang="zh-CN" dirty="0" smtClean="0"/>
+              <a:t>true</a:t>
+            </a:r>
+          </a:p>
+          <a:p>
+            <a:r>
+              <a:rPr kumimoji="1" lang="en-US" altLang="zh-CN" dirty="0" smtClean="0"/>
+              <a:t>    </a:t>
+            </a:r>
+            <a:r>
+              <a:rPr kumimoji="1" lang="en-US" altLang="zh-CN" dirty="0" err="1"/>
+              <a:t>Calculater</a:t>
+            </a:r>
+            <a:r>
+              <a:rPr kumimoji="1" lang="en-US" altLang="zh-CN" dirty="0"/>
+              <a:t> </a:t>
+            </a:r>
+            <a:r>
+              <a:rPr kumimoji="1" lang="en-US" altLang="zh-CN" dirty="0" err="1"/>
+              <a:t>calculater</a:t>
+            </a:r>
+            <a:r>
+              <a:rPr kumimoji="1" lang="en-US" altLang="zh-CN" dirty="0"/>
+              <a:t> = new </a:t>
+            </a:r>
+            <a:r>
+              <a:rPr kumimoji="1" lang="en-US" altLang="zh-CN" dirty="0" err="1"/>
+              <a:t>Calculater</a:t>
+            </a:r>
+            <a:r>
+              <a:rPr kumimoji="1" lang="en-US" altLang="zh-CN" dirty="0"/>
+              <a:t>(</a:t>
+            </a:r>
+            <a:r>
+              <a:rPr kumimoji="1" lang="en-US" altLang="zh-CN" dirty="0" err="1"/>
+              <a:t>mathUtils</a:t>
+            </a:r>
+            <a:r>
+              <a:rPr kumimoji="1" lang="en-US" altLang="zh-CN" dirty="0"/>
+              <a:t>);    </a:t>
+            </a:r>
+            <a:r>
+              <a:rPr kumimoji="1" lang="en-US" altLang="zh-CN" dirty="0" err="1"/>
+              <a:t>assertEquals</a:t>
+            </a:r>
+            <a:r>
+              <a:rPr kumimoji="1" lang="en-US" altLang="zh-CN" dirty="0"/>
+              <a:t>(</a:t>
+            </a:r>
+            <a:r>
+              <a:rPr kumimoji="1" lang="en-US" altLang="zh-CN" dirty="0" err="1"/>
+              <a:t>calculater.divide</a:t>
+            </a:r>
+            <a:r>
+              <a:rPr kumimoji="1" lang="en-US" altLang="zh-CN" dirty="0"/>
+              <a:t>(2,1), 2); // </a:t>
+            </a:r>
+            <a:r>
+              <a:rPr kumimoji="1" lang="zh-CN" altLang="en-US" dirty="0"/>
+              <a:t>验证 </a:t>
+            </a:r>
+            <a:r>
+              <a:rPr kumimoji="1" lang="en-US" altLang="zh-CN" dirty="0"/>
+              <a:t>divide(2,1) </a:t>
+            </a:r>
+            <a:r>
+              <a:rPr kumimoji="1" lang="zh-CN" altLang="en-US" dirty="0"/>
+              <a:t>结果是</a:t>
+            </a:r>
+            <a:r>
+              <a:rPr kumimoji="1" lang="en-US" altLang="zh-CN" dirty="0" smtClean="0"/>
+              <a:t>2</a:t>
+            </a:r>
+          </a:p>
+          <a:p>
+            <a:r>
+              <a:rPr kumimoji="1" lang="en-US" altLang="zh-CN" dirty="0" smtClean="0"/>
+              <a:t>    </a:t>
+            </a:r>
+            <a:r>
+              <a:rPr kumimoji="1" lang="en-US" altLang="zh-CN" dirty="0"/>
+              <a:t>try </a:t>
+            </a:r>
+            <a:r>
+              <a:rPr kumimoji="1" lang="en-US" altLang="zh-CN" dirty="0" smtClean="0"/>
+              <a:t>{</a:t>
+            </a:r>
+          </a:p>
+          <a:p>
+            <a:r>
+              <a:rPr kumimoji="1" lang="en-US" altLang="zh-CN" dirty="0" smtClean="0"/>
+              <a:t>        </a:t>
+            </a:r>
+            <a:r>
+              <a:rPr kumimoji="1" lang="en-US" altLang="zh-CN" dirty="0" err="1"/>
+              <a:t>calculater.divide</a:t>
+            </a:r>
+            <a:r>
+              <a:rPr kumimoji="1" lang="en-US" altLang="zh-CN" dirty="0"/>
+              <a:t>(2, 0); // </a:t>
+            </a:r>
+            <a:r>
+              <a:rPr kumimoji="1" lang="zh-CN" altLang="en-US" dirty="0"/>
+              <a:t>预期抛出</a:t>
+            </a:r>
+            <a:r>
+              <a:rPr kumimoji="1" lang="zh-CN" altLang="en-US" dirty="0" smtClean="0"/>
+              <a:t>错误</a:t>
+            </a:r>
+            <a:endParaRPr kumimoji="1" lang="en-US" altLang="zh-CN" dirty="0" smtClean="0"/>
+          </a:p>
+          <a:p>
+            <a:r>
+              <a:rPr kumimoji="1" lang="zh-CN" altLang="en-US" dirty="0" smtClean="0"/>
+              <a:t>        </a:t>
+            </a:r>
+            <a:r>
+              <a:rPr kumimoji="1" lang="en-US" altLang="zh-CN" dirty="0"/>
+              <a:t>throw new </a:t>
+            </a:r>
+            <a:r>
+              <a:rPr kumimoji="1" lang="en-US" altLang="zh-CN" dirty="0" err="1"/>
+              <a:t>RuntimeException</a:t>
+            </a:r>
+            <a:r>
+              <a:rPr kumimoji="1" lang="en-US" altLang="zh-CN" dirty="0"/>
+              <a:t>("no expectant exception"); // </a:t>
+            </a:r>
+            <a:r>
+              <a:rPr kumimoji="1" lang="zh-CN" altLang="en-US" dirty="0"/>
+              <a:t>如果</a:t>
+            </a:r>
+            <a:r>
+              <a:rPr kumimoji="1" lang="en-US" altLang="zh-CN" dirty="0"/>
+              <a:t>divide</a:t>
+            </a:r>
+            <a:r>
+              <a:rPr kumimoji="1" lang="zh-CN" altLang="en-US" dirty="0"/>
+              <a:t>没抛错，则此处抛</a:t>
+            </a:r>
+            <a:r>
+              <a:rPr kumimoji="1" lang="zh-CN" altLang="en-US" dirty="0" smtClean="0"/>
+              <a:t>错</a:t>
+            </a:r>
+            <a:endParaRPr kumimoji="1" lang="en-US" altLang="zh-CN" dirty="0" smtClean="0"/>
+          </a:p>
+          <a:p>
+            <a:r>
+              <a:rPr kumimoji="1" lang="zh-CN" altLang="en-US" dirty="0" smtClean="0"/>
+              <a:t>    </a:t>
+            </a:r>
+            <a:r>
+              <a:rPr kumimoji="1" lang="en-US" altLang="zh-CN" dirty="0"/>
+              <a:t>} catch (Exception e) </a:t>
+            </a:r>
+            <a:r>
+              <a:rPr kumimoji="1" lang="en-US" altLang="zh-CN" dirty="0" smtClean="0"/>
+              <a:t>{</a:t>
+            </a:r>
+          </a:p>
+          <a:p>
+            <a:r>
+              <a:rPr kumimoji="1" lang="en-US" altLang="zh-CN" dirty="0" smtClean="0"/>
+              <a:t>        </a:t>
+            </a:r>
+            <a:r>
+              <a:rPr kumimoji="1" lang="en-US" altLang="zh-CN" dirty="0" err="1"/>
+              <a:t>Assert.assertEquals</a:t>
+            </a:r>
+            <a:r>
+              <a:rPr kumimoji="1" lang="en-US" altLang="zh-CN" dirty="0"/>
+              <a:t>(</a:t>
+            </a:r>
+            <a:r>
+              <a:rPr kumimoji="1" lang="en-US" altLang="zh-CN" dirty="0" err="1"/>
+              <a:t>e.getMessage</a:t>
+            </a:r>
+            <a:r>
+              <a:rPr kumimoji="1" lang="en-US" altLang="zh-CN" dirty="0"/>
+              <a:t>(), "dividend is zero"); // </a:t>
+            </a:r>
+            <a:r>
+              <a:rPr kumimoji="1" lang="zh-CN" altLang="en-US" dirty="0"/>
+              <a:t>验证错误</a:t>
+            </a:r>
+            <a:r>
+              <a:rPr kumimoji="1" lang="zh-CN" altLang="en-US" dirty="0" smtClean="0"/>
+              <a:t>信息</a:t>
+            </a:r>
+            <a:endParaRPr kumimoji="1" lang="en-US" altLang="zh-CN" dirty="0" smtClean="0"/>
+          </a:p>
+          <a:p>
+            <a:r>
+              <a:rPr kumimoji="1" lang="zh-CN" altLang="en-US" dirty="0" smtClean="0"/>
+              <a:t>    </a:t>
+            </a:r>
+            <a:r>
+              <a:rPr kumimoji="1" lang="en-US" altLang="zh-CN" dirty="0"/>
+              <a:t>}}</a:t>
+            </a:r>
+            <a:endParaRPr kumimoji="1" lang="zh-CN" altLang="en-US" dirty="0"/>
+          </a:p>
+        </p:txBody>
+      </p:sp>
+    </p:spTree>
+    <p:extLst>
+      <p:ext uri="{BB962C8B-B14F-4D97-AF65-F5344CB8AC3E}">
+        <p14:creationId xmlns:p14="http://schemas.microsoft.com/office/powerpoint/2010/main" val="1834848950"/>
+      </p:ext>
+    </p:extLst>
+  </p:cSld>
+  <p:clrMapOvr>
+    <a:masterClrMapping/>
+  </p:clrMapOvr>
+</p:sld>
+</file>
+
+<file path=ppt/slides/slide15.xml><?xml version="1.0" encoding="utf-8"?>
+<p:sld xmlns:a="http://schemas.openxmlformats.org/drawingml/2006/main" xmlns:r="http://schemas.openxmlformats.org/officeDocument/2006/relationships" xmlns:p="http://schemas.openxmlformats.org/presentationml/2006/main">
+  <p:cSld>
+    <p:spTree>
+      <p:nvGrpSpPr>
+        <p:cNvPr id="1" name=""/>
+        <p:cNvGrpSpPr/>
+        <p:nvPr/>
+      </p:nvGrpSpPr>
+      <p:grpSpPr>
+        <a:xfrm>
+          <a:off x="0" y="0"/>
+          <a:ext cx="0" cy="0"/>
+          <a:chOff x="0" y="0"/>
+          <a:chExt cx="0" cy="0"/>
+        </a:xfrm>
+      </p:grpSpPr>
+      <p:sp>
+        <p:nvSpPr>
+          <p:cNvPr id="3" name="文本框 2"/>
+          <p:cNvSpPr txBox="1"/>
+          <p:nvPr/>
+        </p:nvSpPr>
+        <p:spPr>
+          <a:xfrm>
+            <a:off x="601884" y="648182"/>
+            <a:ext cx="9127883" cy="7294305"/>
+          </a:xfrm>
+          <a:prstGeom prst="rect">
+            <a:avLst/>
+          </a:prstGeom>
+          <a:noFill/>
+        </p:spPr>
+        <p:txBody>
+          <a:bodyPr wrap="none" rtlCol="0">
+            <a:spAutoFit/>
+          </a:bodyPr>
+          <a:lstStyle/>
+          <a:p>
+            <a:r>
+              <a:rPr lang="en-US" altLang="zh-CN" dirty="0"/>
+              <a:t>private static void </a:t>
+            </a:r>
+            <a:r>
+              <a:rPr lang="en-US" altLang="zh-CN" dirty="0" err="1"/>
+              <a:t>doAfterSuccess</a:t>
+            </a:r>
+            <a:r>
+              <a:rPr lang="en-US" altLang="zh-CN" dirty="0"/>
+              <a:t>(String </a:t>
+            </a:r>
+            <a:r>
+              <a:rPr lang="en-US" altLang="zh-CN" dirty="0" err="1"/>
+              <a:t>resString</a:t>
+            </a:r>
+            <a:r>
+              <a:rPr lang="en-US" altLang="zh-CN" dirty="0"/>
+              <a:t>, </a:t>
+            </a:r>
+            <a:r>
+              <a:rPr lang="en-US" altLang="zh-CN" dirty="0" err="1"/>
+              <a:t>OnAdHocReceivedData</a:t>
+            </a:r>
+            <a:r>
+              <a:rPr lang="en-US" altLang="zh-CN" dirty="0"/>
+              <a:t> listener) {</a:t>
+            </a:r>
+            <a:br>
+              <a:rPr lang="en-US" altLang="zh-CN" dirty="0"/>
+            </a:br>
+            <a:r>
+              <a:rPr lang="en-US" altLang="zh-CN" dirty="0"/>
+              <a:t/>
+            </a:r>
+            <a:br>
+              <a:rPr lang="en-US" altLang="zh-CN" dirty="0"/>
+            </a:br>
+            <a:r>
+              <a:rPr lang="en-US" altLang="zh-CN" dirty="0"/>
+              <a:t/>
+            </a:r>
+            <a:br>
+              <a:rPr lang="en-US" altLang="zh-CN" dirty="0"/>
+            </a:br>
+            <a:r>
+              <a:rPr lang="en-US" altLang="zh-CN" dirty="0"/>
+              <a:t>        if </a:t>
+            </a:r>
+            <a:r>
+              <a:rPr lang="en-US" altLang="zh-CN" dirty="0"/>
+              <a:t>(</a:t>
+            </a:r>
+            <a:r>
+              <a:rPr lang="en-US" altLang="zh-CN" dirty="0" err="1"/>
+              <a:t>TextUtils.</a:t>
+            </a:r>
+            <a:r>
+              <a:rPr lang="en-US" altLang="zh-CN" i="1" dirty="0" err="1"/>
+              <a:t>isEmpty</a:t>
+            </a:r>
+            <a:r>
+              <a:rPr lang="en-US" altLang="zh-CN" dirty="0"/>
+              <a:t>(</a:t>
+            </a:r>
+            <a:r>
+              <a:rPr lang="en-US" altLang="zh-CN" dirty="0" err="1"/>
+              <a:t>resString</a:t>
+            </a:r>
+            <a:r>
+              <a:rPr lang="en-US" altLang="zh-CN" dirty="0"/>
+              <a:t>)) {</a:t>
+            </a:r>
+            <a:br>
+              <a:rPr lang="en-US" altLang="zh-CN" dirty="0"/>
+            </a:br>
+            <a:r>
+              <a:rPr lang="en-US" altLang="zh-CN" dirty="0"/>
+              <a:t>            </a:t>
+            </a:r>
+            <a:r>
+              <a:rPr lang="en-US" altLang="zh-CN" i="1" dirty="0" err="1"/>
+              <a:t>logw</a:t>
+            </a:r>
+            <a:r>
+              <a:rPr lang="en-US" altLang="zh-CN" dirty="0"/>
+              <a:t>(</a:t>
+            </a:r>
+            <a:r>
+              <a:rPr lang="en-US" altLang="zh-CN" i="1" dirty="0"/>
+              <a:t>FLAG</a:t>
+            </a:r>
+            <a:r>
+              <a:rPr lang="en-US" altLang="zh-CN" dirty="0"/>
+              <a:t>, </a:t>
+            </a:r>
+            <a:r>
+              <a:rPr lang="en-US" altLang="zh-CN" i="1" dirty="0"/>
+              <a:t>GET_DATA</a:t>
+            </a:r>
+            <a:r>
+              <a:rPr lang="en-US" altLang="zh-CN" dirty="0"/>
+              <a:t>, </a:t>
+            </a:r>
+            <a:r>
+              <a:rPr lang="en-US" altLang="zh-CN" i="1" dirty="0"/>
+              <a:t>BODY_NULL</a:t>
+            </a:r>
+            <a:r>
+              <a:rPr lang="en-US" altLang="zh-CN" dirty="0"/>
+              <a:t>)</a:t>
+            </a:r>
+            <a:r>
+              <a:rPr lang="en-US" altLang="zh-CN" dirty="0"/>
+              <a:t>;</a:t>
+            </a:r>
+            <a:br>
+              <a:rPr lang="en-US" altLang="zh-CN" dirty="0"/>
+            </a:br>
+            <a:r>
+              <a:rPr lang="en-US" altLang="zh-CN" dirty="0"/>
+              <a:t>            return;</a:t>
+            </a:r>
+            <a:br>
+              <a:rPr lang="en-US" altLang="zh-CN" dirty="0"/>
+            </a:br>
+            <a:r>
+              <a:rPr lang="en-US" altLang="zh-CN" dirty="0"/>
+              <a:t>        </a:t>
+            </a:r>
+            <a:r>
+              <a:rPr lang="en-US" altLang="zh-CN" dirty="0"/>
+              <a:t>}</a:t>
+            </a:r>
+            <a:br>
+              <a:rPr lang="en-US" altLang="zh-CN" dirty="0"/>
+            </a:br>
+            <a:endParaRPr lang="en-US" altLang="zh-CN" dirty="0" smtClean="0"/>
+          </a:p>
+          <a:p>
+            <a:r>
+              <a:rPr lang="en-US" altLang="zh-CN" dirty="0" smtClean="0"/>
+              <a:t>//</a:t>
+            </a:r>
+            <a:r>
+              <a:rPr lang="zh-CN" altLang="en-US" dirty="0" smtClean="0"/>
+              <a:t>一般条件（真实的</a:t>
+            </a:r>
+            <a:r>
+              <a:rPr lang="en-US" altLang="zh-CN" dirty="0" err="1" smtClean="0"/>
+              <a:t>resString</a:t>
+            </a:r>
+            <a:r>
+              <a:rPr lang="zh-CN" altLang="en-US" dirty="0" smtClean="0"/>
+              <a:t>，边界条件空字符串，和一些正常</a:t>
+            </a:r>
+            <a:r>
+              <a:rPr lang="en-US" altLang="zh-CN" dirty="0" err="1" smtClean="0"/>
+              <a:t>json</a:t>
+            </a:r>
+            <a:r>
+              <a:rPr lang="zh-CN" altLang="en-US" dirty="0" smtClean="0"/>
+              <a:t>。）</a:t>
+            </a:r>
+            <a:r>
+              <a:rPr lang="en-US" altLang="zh-CN" dirty="0"/>
+              <a:t/>
+            </a:r>
+            <a:br>
+              <a:rPr lang="en-US" altLang="zh-CN" dirty="0"/>
+            </a:br>
+            <a:r>
+              <a:rPr lang="en-US" altLang="zh-CN" dirty="0"/>
+              <a:t>        </a:t>
+            </a:r>
+            <a:r>
+              <a:rPr lang="en-US" altLang="zh-CN" dirty="0"/>
+              <a:t>try </a:t>
+            </a:r>
+            <a:r>
+              <a:rPr lang="en-US" altLang="zh-CN" dirty="0"/>
+              <a:t>{</a:t>
+            </a:r>
+            <a:br>
+              <a:rPr lang="en-US" altLang="zh-CN" dirty="0"/>
+            </a:br>
+            <a:r>
+              <a:rPr lang="en-US" altLang="zh-CN" dirty="0"/>
+              <a:t>            </a:t>
+            </a:r>
+            <a:r>
+              <a:rPr lang="en-US" altLang="zh-CN" dirty="0" err="1"/>
+              <a:t>JSONObject</a:t>
+            </a:r>
+            <a:r>
+              <a:rPr lang="en-US" altLang="zh-CN" dirty="0"/>
+              <a:t> result = </a:t>
+            </a:r>
+            <a:r>
+              <a:rPr lang="en-US" altLang="zh-CN" dirty="0"/>
+              <a:t>new </a:t>
+            </a:r>
+            <a:r>
+              <a:rPr lang="en-US" altLang="zh-CN" dirty="0" err="1"/>
+              <a:t>JSONObject</a:t>
+            </a:r>
+            <a:r>
+              <a:rPr lang="en-US" altLang="zh-CN" dirty="0"/>
+              <a:t>(</a:t>
+            </a:r>
+            <a:r>
+              <a:rPr lang="en-US" altLang="zh-CN" dirty="0" err="1"/>
+              <a:t>resString</a:t>
+            </a:r>
+            <a:r>
+              <a:rPr lang="en-US" altLang="zh-CN" dirty="0"/>
+              <a:t>)</a:t>
+            </a:r>
+            <a:r>
+              <a:rPr lang="en-US" altLang="zh-CN" dirty="0"/>
+              <a:t>;</a:t>
+            </a:r>
+            <a:br>
+              <a:rPr lang="en-US" altLang="zh-CN" dirty="0"/>
+            </a:br>
+            <a:r>
+              <a:rPr lang="en-US" altLang="zh-CN" dirty="0"/>
+              <a:t>            // before return </a:t>
+            </a:r>
+            <a:r>
+              <a:rPr lang="en-US" altLang="zh-CN" dirty="0" err="1"/>
+              <a:t>setExperment</a:t>
+            </a:r>
+            <a:r>
+              <a:rPr lang="en-US" altLang="zh-CN" dirty="0"/>
+              <a:t/>
+            </a:r>
+            <a:br>
+              <a:rPr lang="en-US" altLang="zh-CN" dirty="0"/>
+            </a:br>
+            <a:r>
+              <a:rPr lang="en-US" altLang="zh-CN" dirty="0"/>
+              <a:t>            </a:t>
+            </a:r>
+            <a:r>
+              <a:rPr lang="en-US" altLang="zh-CN" dirty="0" err="1"/>
+              <a:t>JSONObject</a:t>
+            </a:r>
+            <a:r>
+              <a:rPr lang="en-US" altLang="zh-CN" dirty="0"/>
+              <a:t> </a:t>
+            </a:r>
+            <a:r>
+              <a:rPr lang="en-US" altLang="zh-CN" dirty="0" err="1"/>
+              <a:t>jsonExperiment</a:t>
+            </a:r>
+            <a:r>
+              <a:rPr lang="en-US" altLang="zh-CN" dirty="0"/>
+              <a:t> = </a:t>
+            </a:r>
+            <a:r>
+              <a:rPr lang="en-US" altLang="zh-CN" i="1" dirty="0" err="1"/>
+              <a:t>saveSharePrefFlags</a:t>
+            </a:r>
+            <a:r>
+              <a:rPr lang="en-US" altLang="zh-CN" dirty="0"/>
+              <a:t>(result)</a:t>
+            </a:r>
+            <a:r>
+              <a:rPr lang="en-US" altLang="zh-CN" dirty="0"/>
+              <a:t>;</a:t>
+            </a:r>
+            <a:br>
+              <a:rPr lang="en-US" altLang="zh-CN" dirty="0"/>
+            </a:br>
+            <a:r>
+              <a:rPr lang="en-US" altLang="zh-CN" dirty="0"/>
+              <a:t>            </a:t>
+            </a:r>
+            <a:r>
+              <a:rPr lang="en-US" altLang="zh-CN" i="1" dirty="0" err="1"/>
+              <a:t>saveLastRefreshTime</a:t>
+            </a:r>
+            <a:r>
+              <a:rPr lang="en-US" altLang="zh-CN" dirty="0"/>
+              <a:t>()</a:t>
+            </a:r>
+            <a:r>
+              <a:rPr lang="en-US" altLang="zh-CN" dirty="0"/>
+              <a:t>;</a:t>
+            </a:r>
+            <a:br>
+              <a:rPr lang="en-US" altLang="zh-CN" dirty="0"/>
+            </a:br>
+            <a:r>
+              <a:rPr lang="en-US" altLang="zh-CN" dirty="0"/>
+              <a:t>            </a:t>
+            </a:r>
+            <a:r>
+              <a:rPr lang="en-US" altLang="zh-CN" dirty="0" err="1"/>
+              <a:t>ExperimentUtils.</a:t>
+            </a:r>
+            <a:r>
+              <a:rPr lang="en-US" altLang="zh-CN" i="1" dirty="0" err="1"/>
+              <a:t>getInstance</a:t>
+            </a:r>
+            <a:r>
+              <a:rPr lang="en-US" altLang="zh-CN" dirty="0"/>
+              <a:t>().</a:t>
+            </a:r>
+            <a:r>
+              <a:rPr lang="en-US" altLang="zh-CN" dirty="0" err="1"/>
+              <a:t>updateExperiments</a:t>
+            </a:r>
+            <a:r>
+              <a:rPr lang="en-US" altLang="zh-CN" dirty="0"/>
+              <a:t>(</a:t>
+            </a:r>
+            <a:r>
+              <a:rPr lang="en-US" altLang="zh-CN" dirty="0" err="1"/>
+              <a:t>jsonExperiment</a:t>
+            </a:r>
+            <a:r>
+              <a:rPr lang="en-US" altLang="zh-CN" dirty="0"/>
+              <a:t>)</a:t>
+            </a:r>
+            <a:r>
+              <a:rPr lang="en-US" altLang="zh-CN" dirty="0"/>
+              <a:t>;</a:t>
+            </a:r>
+            <a:br>
+              <a:rPr lang="en-US" altLang="zh-CN" dirty="0"/>
+            </a:br>
+            <a:r>
+              <a:rPr lang="en-US" altLang="zh-CN" dirty="0"/>
+              <a:t>            </a:t>
+            </a:r>
+            <a:r>
+              <a:rPr lang="en-US" altLang="zh-CN" dirty="0" err="1"/>
+              <a:t>AdhocTracker.</a:t>
+            </a:r>
+            <a:r>
+              <a:rPr lang="en-US" altLang="zh-CN" i="1" dirty="0" err="1"/>
+              <a:t>track</a:t>
+            </a:r>
+            <a:r>
+              <a:rPr lang="en-US" altLang="zh-CN" dirty="0"/>
+              <a:t>(</a:t>
+            </a:r>
+            <a:r>
+              <a:rPr lang="en-US" altLang="zh-CN" dirty="0" err="1"/>
+              <a:t>AdhocConstants.Event.</a:t>
+            </a:r>
+            <a:r>
+              <a:rPr lang="en-US" altLang="zh-CN" i="1" dirty="0" err="1"/>
+              <a:t>GET_EXPERIMENT</a:t>
+            </a:r>
+            <a:r>
+              <a:rPr lang="en-US" altLang="zh-CN" dirty="0"/>
+              <a:t>, 1</a:t>
+            </a:r>
+            <a:r>
+              <a:rPr lang="en-US" altLang="zh-CN" dirty="0"/>
+              <a:t>)</a:t>
+            </a:r>
+            <a:r>
+              <a:rPr lang="en-US" altLang="zh-CN" dirty="0"/>
+              <a:t>;</a:t>
+            </a:r>
+            <a:br>
+              <a:rPr lang="en-US" altLang="zh-CN" dirty="0"/>
+            </a:br>
+            <a:r>
+              <a:rPr lang="en-US" altLang="zh-CN" dirty="0"/>
+              <a:t/>
+            </a:r>
+            <a:br>
+              <a:rPr lang="en-US" altLang="zh-CN" dirty="0"/>
+            </a:br>
+            <a:r>
+              <a:rPr lang="en-US" altLang="zh-CN" dirty="0"/>
+              <a:t>            </a:t>
+            </a:r>
+            <a:r>
+              <a:rPr lang="en-US" altLang="zh-CN" dirty="0" err="1"/>
+              <a:t>CacheUtils.</a:t>
+            </a:r>
+            <a:r>
+              <a:rPr lang="en-US" altLang="zh-CN" i="1" dirty="0" err="1"/>
+              <a:t>saveBooleanShareData</a:t>
+            </a:r>
+            <a:r>
+              <a:rPr lang="en-US" altLang="zh-CN" dirty="0"/>
+              <a:t>(</a:t>
+            </a:r>
+            <a:r>
+              <a:rPr lang="en-US" altLang="zh-CN" dirty="0" err="1"/>
+              <a:t>AdhocConstants.CacheKey.</a:t>
+            </a:r>
+            <a:r>
+              <a:rPr lang="en-US" altLang="zh-CN" i="1" dirty="0" err="1"/>
+              <a:t>IS_GET_NEW_FLAG</a:t>
+            </a:r>
+            <a:r>
+              <a:rPr lang="en-US" altLang="zh-CN" dirty="0"/>
+              <a:t>, false</a:t>
+            </a:r>
+            <a:r>
+              <a:rPr lang="en-US" altLang="zh-CN" dirty="0"/>
+              <a:t>)</a:t>
+            </a:r>
+            <a:r>
+              <a:rPr lang="en-US" altLang="zh-CN" dirty="0"/>
+              <a:t>;</a:t>
+            </a:r>
+            <a:br>
+              <a:rPr lang="en-US" altLang="zh-CN" dirty="0"/>
+            </a:br>
+            <a:r>
+              <a:rPr lang="en-US" altLang="zh-CN" dirty="0"/>
+              <a:t>            </a:t>
+            </a:r>
+            <a:r>
+              <a:rPr lang="en-US" altLang="zh-CN" i="1" dirty="0" err="1"/>
+              <a:t>doSomethingForTimeout</a:t>
+            </a:r>
+            <a:r>
+              <a:rPr lang="en-US" altLang="zh-CN" dirty="0"/>
+              <a:t>(result</a:t>
+            </a:r>
+            <a:r>
+              <a:rPr lang="en-US" altLang="zh-CN" dirty="0"/>
+              <a:t>, </a:t>
+            </a:r>
+            <a:r>
+              <a:rPr lang="en-US" altLang="zh-CN" dirty="0"/>
+              <a:t>listener)</a:t>
+            </a:r>
+            <a:r>
+              <a:rPr lang="en-US" altLang="zh-CN" dirty="0"/>
+              <a:t>;</a:t>
+            </a:r>
+            <a:br>
+              <a:rPr lang="en-US" altLang="zh-CN" dirty="0"/>
+            </a:br>
+            <a:r>
+              <a:rPr lang="en-US" altLang="zh-CN" dirty="0"/>
+              <a:t>            </a:t>
+            </a:r>
+            <a:r>
+              <a:rPr lang="en-US" altLang="zh-CN" i="1" dirty="0" err="1"/>
+              <a:t>logd</a:t>
+            </a:r>
+            <a:r>
+              <a:rPr lang="en-US" altLang="zh-CN" dirty="0"/>
+              <a:t>(</a:t>
+            </a:r>
+            <a:r>
+              <a:rPr lang="en-US" altLang="zh-CN" i="1" dirty="0"/>
+              <a:t>FLAG</a:t>
+            </a:r>
+            <a:r>
+              <a:rPr lang="en-US" altLang="zh-CN" dirty="0"/>
+              <a:t>, </a:t>
+            </a:r>
+            <a:r>
+              <a:rPr lang="en-US" altLang="zh-CN" i="1" dirty="0"/>
+              <a:t>GET_DATA</a:t>
+            </a:r>
+            <a:r>
+              <a:rPr lang="en-US" altLang="zh-CN" dirty="0"/>
+              <a:t>)</a:t>
+            </a:r>
+            <a:r>
+              <a:rPr lang="en-US" altLang="zh-CN" dirty="0"/>
+              <a:t>;</a:t>
+            </a:r>
+            <a:br>
+              <a:rPr lang="en-US" altLang="zh-CN" dirty="0"/>
+            </a:br>
+            <a:r>
+              <a:rPr lang="en-US" altLang="zh-CN" dirty="0"/>
+              <a:t>        </a:t>
+            </a:r>
+            <a:r>
+              <a:rPr lang="en-US" altLang="zh-CN" dirty="0"/>
+              <a:t>} </a:t>
+            </a:r>
+            <a:r>
+              <a:rPr lang="en-US" altLang="zh-CN" dirty="0"/>
+              <a:t>catch </a:t>
+            </a:r>
+            <a:r>
+              <a:rPr lang="en-US" altLang="zh-CN" dirty="0"/>
+              <a:t>(</a:t>
+            </a:r>
+            <a:r>
+              <a:rPr lang="en-US" altLang="zh-CN" dirty="0" err="1"/>
+              <a:t>JSONException</a:t>
+            </a:r>
+            <a:r>
+              <a:rPr lang="en-US" altLang="zh-CN" dirty="0"/>
+              <a:t> e) {</a:t>
+            </a:r>
+            <a:br>
+              <a:rPr lang="en-US" altLang="zh-CN" dirty="0"/>
+            </a:br>
+            <a:r>
+              <a:rPr lang="en-US" altLang="zh-CN" dirty="0"/>
+              <a:t>            </a:t>
+            </a:r>
+            <a:r>
+              <a:rPr lang="en-US" altLang="zh-CN" i="1" dirty="0" err="1"/>
+              <a:t>logw</a:t>
+            </a:r>
+            <a:r>
+              <a:rPr lang="en-US" altLang="zh-CN" dirty="0"/>
+              <a:t>(</a:t>
+            </a:r>
+            <a:r>
+              <a:rPr lang="en-US" altLang="zh-CN" i="1" dirty="0"/>
+              <a:t>FLAG</a:t>
+            </a:r>
+            <a:r>
+              <a:rPr lang="en-US" altLang="zh-CN" dirty="0"/>
+              <a:t>, </a:t>
+            </a:r>
+            <a:r>
+              <a:rPr lang="en-US" altLang="zh-CN" i="1" dirty="0"/>
+              <a:t>GET_DATA</a:t>
+            </a:r>
+            <a:r>
+              <a:rPr lang="en-US" altLang="zh-CN" dirty="0"/>
+              <a:t>, </a:t>
+            </a:r>
+            <a:r>
+              <a:rPr lang="en-US" altLang="zh-CN" dirty="0" err="1"/>
+              <a:t>e.toString</a:t>
+            </a:r>
+            <a:r>
+              <a:rPr lang="en-US" altLang="zh-CN" dirty="0"/>
+              <a:t>())</a:t>
+            </a:r>
+            <a:r>
+              <a:rPr lang="en-US" altLang="zh-CN" dirty="0"/>
+              <a:t>;</a:t>
+            </a:r>
+            <a:br>
+              <a:rPr lang="en-US" altLang="zh-CN" dirty="0"/>
+            </a:br>
+            <a:r>
+              <a:rPr lang="en-US" altLang="zh-CN" dirty="0"/>
+              <a:t>        </a:t>
+            </a:r>
+            <a:r>
+              <a:rPr lang="en-US" altLang="zh-CN" dirty="0"/>
+              <a:t>} </a:t>
+            </a:r>
+            <a:r>
+              <a:rPr lang="en-US" altLang="zh-CN" dirty="0"/>
+              <a:t>finally </a:t>
+            </a:r>
+            <a:r>
+              <a:rPr lang="en-US" altLang="zh-CN" dirty="0"/>
+              <a:t>{</a:t>
+            </a:r>
+            <a:br>
+              <a:rPr lang="en-US" altLang="zh-CN" dirty="0"/>
+            </a:br>
+            <a:r>
+              <a:rPr lang="en-US" altLang="zh-CN" dirty="0"/>
+              <a:t>            </a:t>
+            </a:r>
+            <a:r>
+              <a:rPr lang="en-US" altLang="zh-CN" i="1" dirty="0" err="1"/>
+              <a:t>logd</a:t>
+            </a:r>
+            <a:r>
+              <a:rPr lang="en-US" altLang="zh-CN" dirty="0"/>
+              <a:t>(</a:t>
+            </a:r>
+            <a:r>
+              <a:rPr lang="en-US" altLang="zh-CN" i="1" dirty="0"/>
+              <a:t>FLAG</a:t>
+            </a:r>
+            <a:r>
+              <a:rPr lang="en-US" altLang="zh-CN" dirty="0"/>
+              <a:t>, </a:t>
+            </a:r>
+            <a:r>
+              <a:rPr lang="en-US" altLang="zh-CN" i="1" dirty="0"/>
+              <a:t>GET_DATA</a:t>
+            </a:r>
+            <a:r>
+              <a:rPr lang="en-US" altLang="zh-CN" dirty="0"/>
+              <a:t>, "End."</a:t>
+            </a:r>
+            <a:r>
+              <a:rPr lang="en-US" altLang="zh-CN" dirty="0"/>
+              <a:t>)</a:t>
+            </a:r>
+            <a:r>
+              <a:rPr lang="en-US" altLang="zh-CN" dirty="0"/>
+              <a:t>;</a:t>
+            </a:r>
+            <a:br>
+              <a:rPr lang="en-US" altLang="zh-CN" dirty="0"/>
+            </a:br>
+            <a:r>
+              <a:rPr lang="en-US" altLang="zh-CN" dirty="0"/>
+              <a:t>        </a:t>
+            </a:r>
+            <a:r>
+              <a:rPr lang="en-US" altLang="zh-CN" dirty="0"/>
+              <a:t>}</a:t>
+            </a:r>
+            <a:br>
+              <a:rPr lang="en-US" altLang="zh-CN" dirty="0"/>
+            </a:br>
+            <a:r>
+              <a:rPr lang="en-US" altLang="zh-CN" dirty="0"/>
+              <a:t>    }</a:t>
+            </a:r>
+            <a:endParaRPr kumimoji="1" lang="zh-CN" altLang="en-US" dirty="0"/>
+          </a:p>
+        </p:txBody>
+      </p:sp>
+    </p:spTree>
+    <p:extLst>
+      <p:ext uri="{BB962C8B-B14F-4D97-AF65-F5344CB8AC3E}">
+        <p14:creationId xmlns:p14="http://schemas.microsoft.com/office/powerpoint/2010/main" val="232009336"/>
+      </p:ext>
+    </p:extLst>
+  </p:cSld>
+  <p:clrMapOvr>
+    <a:masterClrMapping/>
+  </p:clrMapOvr>
+</p:sld>
+</file>
+
+<file path=ppt/slides/slide16.xml><?xml version="1.0" encoding="utf-8"?>
+<p:sld xmlns:a="http://schemas.openxmlformats.org/drawingml/2006/main" xmlns:r="http://schemas.openxmlformats.org/officeDocument/2006/relationships" xmlns:p="http://schemas.openxmlformats.org/presentationml/2006/main">
+  <p:cSld>
+    <p:spTree>
+      <p:nvGrpSpPr>
+        <p:cNvPr id="1" name=""/>
+        <p:cNvGrpSpPr/>
+        <p:nvPr/>
+      </p:nvGrpSpPr>
+      <p:grpSpPr>
+        <a:xfrm>
+          <a:off x="0" y="0"/>
+          <a:ext cx="0" cy="0"/>
+          <a:chOff x="0" y="0"/>
+          <a:chExt cx="0" cy="0"/>
+        </a:xfrm>
+      </p:grpSpPr>
+      <p:sp>
+        <p:nvSpPr>
+          <p:cNvPr id="2" name="文本框 1"/>
+          <p:cNvSpPr txBox="1"/>
+          <p:nvPr/>
+        </p:nvSpPr>
+        <p:spPr>
+          <a:xfrm>
+            <a:off x="1215342" y="1180618"/>
+            <a:ext cx="2031325" cy="646331"/>
+          </a:xfrm>
+          <a:prstGeom prst="rect">
+            <a:avLst/>
+          </a:prstGeom>
+          <a:noFill/>
+        </p:spPr>
+        <p:txBody>
+          <a:bodyPr wrap="none" rtlCol="0">
+            <a:spAutoFit/>
+          </a:bodyPr>
+          <a:lstStyle/>
+          <a:p>
+            <a:r>
+              <a:rPr kumimoji="1" lang="zh-CN" altLang="en-US" dirty="0" smtClean="0"/>
+              <a:t>稍微复杂的例子：</a:t>
+            </a:r>
+            <a:endParaRPr kumimoji="1" lang="en-US" altLang="zh-CN" dirty="0" smtClean="0"/>
+          </a:p>
+          <a:p>
+            <a:endParaRPr kumimoji="1" lang="zh-CN" altLang="en-US" dirty="0"/>
+          </a:p>
+        </p:txBody>
+      </p:sp>
+    </p:spTree>
+    <p:extLst>
+      <p:ext uri="{BB962C8B-B14F-4D97-AF65-F5344CB8AC3E}">
+        <p14:creationId xmlns:p14="http://schemas.microsoft.com/office/powerpoint/2010/main" val="136922682"/>
+      </p:ext>
+    </p:extLst>
+  </p:cSld>
+  <p:clrMapOvr>
+    <a:masterClrMapping/>
+  </p:clrMapOvr>
+</p:sld>
+</file>
+
+<file path=ppt/slides/slide17.xml><?xml version="1.0" encoding="utf-8"?>
+<p:sld xmlns:a="http://schemas.openxmlformats.org/drawingml/2006/main" xmlns:r="http://schemas.openxmlformats.org/officeDocument/2006/relationships" xmlns:p="http://schemas.openxmlformats.org/presentationml/2006/main">
+  <p:cSld>
+    <p:spTree>
+      <p:nvGrpSpPr>
+        <p:cNvPr id="1" name=""/>
+        <p:cNvGrpSpPr/>
+        <p:nvPr/>
+      </p:nvGrpSpPr>
+      <p:grpSpPr>
+        <a:xfrm>
+          <a:off x="0" y="0"/>
+          <a:ext cx="0" cy="0"/>
+          <a:chOff x="0" y="0"/>
+          <a:chExt cx="0" cy="0"/>
+        </a:xfrm>
+      </p:grpSpPr>
+      <p:sp>
+        <p:nvSpPr>
+          <p:cNvPr id="3" name="文本框 2"/>
+          <p:cNvSpPr txBox="1"/>
+          <p:nvPr/>
+        </p:nvSpPr>
+        <p:spPr>
+          <a:xfrm>
+            <a:off x="935322" y="1102596"/>
+            <a:ext cx="7439657" cy="2031325"/>
+          </a:xfrm>
+          <a:prstGeom prst="rect">
+            <a:avLst/>
+          </a:prstGeom>
+          <a:noFill/>
+        </p:spPr>
+        <p:txBody>
+          <a:bodyPr wrap="none" rtlCol="0">
+            <a:spAutoFit/>
+          </a:bodyPr>
+          <a:lstStyle/>
+          <a:p>
+            <a:r>
+              <a:rPr kumimoji="1" lang="zh-CN" altLang="en-US" dirty="0"/>
+              <a:t>常用的断言</a:t>
+            </a:r>
+            <a:r>
+              <a:rPr kumimoji="1" lang="zh-CN" altLang="en-US" dirty="0" smtClean="0"/>
+              <a:t>命令：</a:t>
+            </a:r>
+            <a:endParaRPr kumimoji="1" lang="en-US" altLang="zh-CN" dirty="0" smtClean="0"/>
+          </a:p>
+          <a:p>
+            <a:r>
+              <a:rPr kumimoji="1" lang="en-US" altLang="zh-CN" dirty="0" err="1" smtClean="0"/>
+              <a:t>asertEquals</a:t>
+            </a:r>
+            <a:r>
+              <a:rPr kumimoji="1" lang="en-US" altLang="zh-CN" dirty="0" smtClean="0"/>
+              <a:t> </a:t>
+            </a:r>
+            <a:r>
+              <a:rPr kumimoji="1" lang="en-US" altLang="zh-CN" dirty="0" err="1"/>
+              <a:t>asserthat</a:t>
+            </a:r>
+            <a:r>
+              <a:rPr kumimoji="1" lang="en-US" altLang="zh-CN" dirty="0"/>
+              <a:t> </a:t>
+            </a:r>
+          </a:p>
+          <a:p>
+            <a:r>
+              <a:rPr kumimoji="1" lang="en-US" altLang="zh-CN" dirty="0" err="1"/>
+              <a:t>assertTrue,assertFalse</a:t>
+            </a:r>
+            <a:endParaRPr kumimoji="1" lang="en-US" altLang="zh-CN" dirty="0"/>
+          </a:p>
+          <a:p>
+            <a:r>
+              <a:rPr kumimoji="1" lang="zh-CN" altLang="en-US" dirty="0" smtClean="0"/>
+              <a:t>常用验证调用命令：</a:t>
+            </a:r>
+            <a:r>
+              <a:rPr kumimoji="1" lang="en-US" altLang="zh-CN" dirty="0" err="1" smtClean="0"/>
+              <a:t>verfy</a:t>
+            </a:r>
+            <a:endParaRPr kumimoji="1" lang="zh-CN" altLang="en-US" dirty="0"/>
+          </a:p>
+          <a:p>
+            <a:r>
+              <a:rPr kumimoji="1" lang="en-US" altLang="zh-CN" dirty="0" smtClean="0"/>
+              <a:t>mock </a:t>
+            </a:r>
+            <a:r>
+              <a:rPr kumimoji="1" lang="zh-CN" altLang="en-US" dirty="0" smtClean="0"/>
+              <a:t>概念：隔离依赖</a:t>
+            </a:r>
+            <a:r>
+              <a:rPr kumimoji="1" lang="en-US" altLang="zh-CN" dirty="0" smtClean="0"/>
+              <a:t>-</a:t>
+            </a:r>
+          </a:p>
+          <a:p>
+            <a:r>
+              <a:rPr kumimoji="1" lang="en-US" altLang="zh-CN" dirty="0" smtClean="0"/>
+              <a:t>mock </a:t>
+            </a:r>
+            <a:r>
+              <a:rPr kumimoji="1" lang="zh-CN" altLang="en-US" dirty="0"/>
+              <a:t>技术使用场景是在现有代码已经开发完成，需要做代码测试覆盖。</a:t>
+            </a:r>
+          </a:p>
+          <a:p>
+            <a:r>
+              <a:rPr kumimoji="1" lang="zh-CN" altLang="en-US" dirty="0"/>
+              <a:t>如果是开发阶段去开发的话，最好使用测试驱动开发，</a:t>
+            </a:r>
+          </a:p>
+        </p:txBody>
+      </p:sp>
+    </p:spTree>
+    <p:extLst>
+      <p:ext uri="{BB962C8B-B14F-4D97-AF65-F5344CB8AC3E}">
+        <p14:creationId xmlns:p14="http://schemas.microsoft.com/office/powerpoint/2010/main" val="2765235475"/>
+      </p:ext>
+    </p:extLst>
+  </p:cSld>
+  <p:clrMapOvr>
+    <a:masterClrMapping/>
+  </p:clrMapOvr>
+</p:sld>
+</file>
+
+<file path=ppt/slides/slide18.xml><?xml version="1.0" encoding="utf-8"?>
 <p:sld xmlns:a="http://schemas.openxmlformats.org/drawingml/2006/main" xmlns:r="http://schemas.openxmlformats.org/officeDocument/2006/relationships" xmlns:p="http://schemas.openxmlformats.org/presentationml/2006/main">
   <p:cSld>
     <p:spTree>
@@ -1791,7 +4221,7 @@
 </p:sld>
 </file>
 
-<file path=ppt/slides/slide11.xml><?xml version="1.0" encoding="utf-8"?>
+<file path=ppt/slides/slide19.xml><?xml version="1.0" encoding="utf-8"?>
 <p:sld xmlns:a="http://schemas.openxmlformats.org/drawingml/2006/main" xmlns:r="http://schemas.openxmlformats.org/officeDocument/2006/relationships" xmlns:p="http://schemas.openxmlformats.org/presentationml/2006/main">
   <p:cSld>
     <p:spTree>
@@ -1994,7 +4424,265 @@
 </p:sld>
 </file>
 
-<file path=ppt/slides/slide12.xml><?xml version="1.0" encoding="utf-8"?>
+<file path=ppt/slides/slide2.xml><?xml version="1.0" encoding="utf-8"?>
+<p:sld xmlns:a="http://schemas.openxmlformats.org/drawingml/2006/main" xmlns:r="http://schemas.openxmlformats.org/officeDocument/2006/relationships" xmlns:p="http://schemas.openxmlformats.org/presentationml/2006/main">
+  <p:cSld>
+    <p:spTree>
+      <p:nvGrpSpPr>
+        <p:cNvPr id="1" name=""/>
+        <p:cNvGrpSpPr/>
+        <p:nvPr/>
+      </p:nvGrpSpPr>
+      <p:grpSpPr>
+        <a:xfrm>
+          <a:off x="0" y="0"/>
+          <a:ext cx="0" cy="0"/>
+          <a:chOff x="0" y="0"/>
+          <a:chExt cx="0" cy="0"/>
+        </a:xfrm>
+      </p:grpSpPr>
+      <p:sp>
+        <p:nvSpPr>
+          <p:cNvPr id="2" name="文本框 1"/>
+          <p:cNvSpPr txBox="1"/>
+          <p:nvPr/>
+        </p:nvSpPr>
+        <p:spPr>
+          <a:xfrm>
+            <a:off x="1949407" y="1909854"/>
+            <a:ext cx="184666" cy="369332"/>
+          </a:xfrm>
+          <a:prstGeom prst="rect">
+            <a:avLst/>
+          </a:prstGeom>
+          <a:noFill/>
+        </p:spPr>
+        <p:txBody>
+          <a:bodyPr wrap="none" rtlCol="0">
+            <a:spAutoFit/>
+          </a:bodyPr>
+          <a:lstStyle/>
+          <a:p>
+            <a:endParaRPr kumimoji="1" lang="zh-CN" altLang="en-US" dirty="0"/>
+          </a:p>
+        </p:txBody>
+      </p:sp>
+      <p:sp>
+        <p:nvSpPr>
+          <p:cNvPr id="3" name="文本框 2"/>
+          <p:cNvSpPr txBox="1"/>
+          <p:nvPr/>
+        </p:nvSpPr>
+        <p:spPr>
+          <a:xfrm>
+            <a:off x="2195544" y="1102596"/>
+            <a:ext cx="3595655" cy="369332"/>
+          </a:xfrm>
+          <a:prstGeom prst="rect">
+            <a:avLst/>
+          </a:prstGeom>
+          <a:noFill/>
+        </p:spPr>
+        <p:txBody>
+          <a:bodyPr wrap="square" rtlCol="0">
+            <a:spAutoFit/>
+          </a:bodyPr>
+          <a:lstStyle/>
+          <a:p>
+            <a:endParaRPr kumimoji="1" lang="zh-CN" altLang="en-US" dirty="0"/>
+          </a:p>
+        </p:txBody>
+      </p:sp>
+      <p:sp>
+        <p:nvSpPr>
+          <p:cNvPr id="5" name="文本框 4"/>
+          <p:cNvSpPr txBox="1"/>
+          <p:nvPr/>
+        </p:nvSpPr>
+        <p:spPr>
+          <a:xfrm>
+            <a:off x="1506360" y="1201042"/>
+            <a:ext cx="184666" cy="369332"/>
+          </a:xfrm>
+          <a:prstGeom prst="rect">
+            <a:avLst/>
+          </a:prstGeom>
+          <a:noFill/>
+        </p:spPr>
+        <p:txBody>
+          <a:bodyPr wrap="none" rtlCol="0">
+            <a:spAutoFit/>
+          </a:bodyPr>
+          <a:lstStyle/>
+          <a:p>
+            <a:endParaRPr kumimoji="1" lang="zh-CN" altLang="en-US" dirty="0"/>
+          </a:p>
+        </p:txBody>
+      </p:sp>
+      <p:sp>
+        <p:nvSpPr>
+          <p:cNvPr id="10" name="文本框 9"/>
+          <p:cNvSpPr txBox="1"/>
+          <p:nvPr/>
+        </p:nvSpPr>
+        <p:spPr>
+          <a:xfrm>
+            <a:off x="1023931" y="1457002"/>
+            <a:ext cx="4879148" cy="3416320"/>
+          </a:xfrm>
+          <a:prstGeom prst="rect">
+            <a:avLst/>
+          </a:prstGeom>
+          <a:noFill/>
+        </p:spPr>
+        <p:txBody>
+          <a:bodyPr wrap="none" rtlCol="0">
+            <a:spAutoFit/>
+          </a:bodyPr>
+          <a:lstStyle/>
+          <a:p>
+            <a:r>
+              <a:rPr kumimoji="1" lang="en-US" altLang="zh-CN" dirty="0" smtClean="0"/>
+              <a:t>1.</a:t>
+            </a:r>
+            <a:r>
+              <a:rPr kumimoji="1" lang="zh-CN" altLang="en-US" dirty="0" smtClean="0"/>
+              <a:t>单元测试概念</a:t>
+            </a:r>
+            <a:endParaRPr kumimoji="1" lang="en-US" altLang="zh-CN" dirty="0" smtClean="0"/>
+          </a:p>
+          <a:p>
+            <a:endParaRPr kumimoji="1" lang="en-US" altLang="zh-CN" dirty="0" smtClean="0"/>
+          </a:p>
+          <a:p>
+            <a:r>
+              <a:rPr kumimoji="1" lang="zh-CN" altLang="zh-CN" dirty="0" smtClean="0"/>
+              <a:t>2</a:t>
+            </a:r>
+            <a:r>
+              <a:rPr kumimoji="1" lang="en-US" altLang="zh-CN" dirty="0" smtClean="0"/>
+              <a:t>.</a:t>
+            </a:r>
+            <a:r>
+              <a:rPr kumimoji="1" lang="zh-CN" altLang="en-US" dirty="0" smtClean="0"/>
+              <a:t>为什么需要做单元测试</a:t>
+            </a:r>
+            <a:endParaRPr kumimoji="1" lang="en-US" altLang="zh-CN" dirty="0" smtClean="0"/>
+          </a:p>
+          <a:p>
+            <a:r>
+              <a:rPr kumimoji="1" lang="zh-CN" altLang="zh-CN" dirty="0" smtClean="0"/>
+              <a:t> </a:t>
+            </a:r>
+            <a:r>
+              <a:rPr kumimoji="1" lang="zh-CN" altLang="en-US" dirty="0" smtClean="0"/>
+              <a:t> </a:t>
+            </a:r>
+            <a:endParaRPr kumimoji="1" lang="en-US" altLang="zh-CN" dirty="0" smtClean="0"/>
+          </a:p>
+          <a:p>
+            <a:r>
+              <a:rPr kumimoji="1" lang="zh-CN" altLang="zh-CN" dirty="0" smtClean="0"/>
+              <a:t>3</a:t>
+            </a:r>
+            <a:r>
+              <a:rPr kumimoji="1" lang="en-US" altLang="zh-CN" dirty="0" smtClean="0"/>
+              <a:t>.</a:t>
+            </a:r>
+            <a:r>
+              <a:rPr kumimoji="1" lang="zh-CN" altLang="en-US" dirty="0" smtClean="0"/>
+              <a:t>单元测试，集成测试，系统测试</a:t>
+            </a:r>
+            <a:endParaRPr kumimoji="1" lang="en-US" altLang="zh-CN" dirty="0" smtClean="0"/>
+          </a:p>
+          <a:p>
+            <a:endParaRPr kumimoji="1" lang="en-US" altLang="zh-CN" dirty="0"/>
+          </a:p>
+          <a:p>
+            <a:r>
+              <a:rPr kumimoji="1" lang="zh-CN" altLang="zh-CN" dirty="0"/>
+              <a:t>4</a:t>
+            </a:r>
+            <a:r>
+              <a:rPr kumimoji="1" lang="en-US" altLang="zh-CN" dirty="0" smtClean="0"/>
+              <a:t>.</a:t>
+            </a:r>
+            <a:r>
+              <a:rPr kumimoji="1" lang="zh-CN" altLang="en-US" dirty="0" smtClean="0"/>
+              <a:t>如何做单元测试，小</a:t>
+            </a:r>
+            <a:r>
+              <a:rPr kumimoji="1" lang="en-US" altLang="zh-CN" dirty="0" smtClean="0"/>
+              <a:t>demo</a:t>
+            </a:r>
+            <a:r>
+              <a:rPr kumimoji="1" lang="zh-CN" altLang="en-US" dirty="0" smtClean="0"/>
+              <a:t>和实际项目中例子</a:t>
+            </a:r>
+            <a:endParaRPr kumimoji="1" lang="en-US" altLang="zh-CN" dirty="0" smtClean="0"/>
+          </a:p>
+          <a:p>
+            <a:endParaRPr kumimoji="1" lang="en-US" altLang="zh-CN" dirty="0" smtClean="0"/>
+          </a:p>
+          <a:p>
+            <a:r>
+              <a:rPr kumimoji="1" lang="zh-CN" altLang="zh-CN" dirty="0" smtClean="0"/>
+              <a:t>5</a:t>
+            </a:r>
+            <a:r>
+              <a:rPr kumimoji="1" lang="en-US" altLang="zh-CN" dirty="0" smtClean="0"/>
+              <a:t>.</a:t>
+            </a:r>
+            <a:r>
+              <a:rPr kumimoji="1" lang="zh-CN" altLang="en-US" dirty="0" smtClean="0"/>
+              <a:t>安卓单元测试框架简介</a:t>
+            </a:r>
+            <a:endParaRPr kumimoji="1" lang="en-US" altLang="zh-CN" dirty="0" smtClean="0"/>
+          </a:p>
+          <a:p>
+            <a:endParaRPr kumimoji="1" lang="en-US" altLang="zh-CN" dirty="0"/>
+          </a:p>
+          <a:p>
+            <a:r>
+              <a:rPr kumimoji="1" lang="zh-CN" altLang="en-US" dirty="0"/>
+              <a:t> </a:t>
+            </a:r>
+            <a:r>
+              <a:rPr kumimoji="1" lang="zh-CN" altLang="zh-CN" dirty="0" smtClean="0"/>
+              <a:t>5</a:t>
+            </a:r>
+            <a:r>
+              <a:rPr kumimoji="1" lang="en-US" altLang="zh-CN" dirty="0" smtClean="0"/>
+              <a:t>.</a:t>
+            </a:r>
+            <a:r>
+              <a:rPr kumimoji="1" lang="zh-CN" altLang="en-US" dirty="0" smtClean="0"/>
+              <a:t>测试驱动开发</a:t>
+            </a:r>
+            <a:r>
+              <a:rPr kumimoji="1" lang="en-US" altLang="zh-CN" dirty="0"/>
+              <a:t>TDD</a:t>
+            </a:r>
+          </a:p>
+          <a:p>
+            <a:endParaRPr kumimoji="1" lang="en-US" altLang="zh-CN" dirty="0" smtClean="0"/>
+          </a:p>
+        </p:txBody>
+      </p:sp>
+    </p:spTree>
+    <p:extLst>
+      <p:ext uri="{BB962C8B-B14F-4D97-AF65-F5344CB8AC3E}">
+        <p14:creationId xmlns:p14="http://schemas.microsoft.com/office/powerpoint/2010/main" val="3796949858"/>
+      </p:ext>
+    </p:extLst>
+  </p:cSld>
+  <p:clrMapOvr>
+    <a:masterClrMapping/>
+  </p:clrMapOvr>
+</p:sld>
+</file>
+
+<file path=ppt/slides/slide20.xml><?xml version="1.0" encoding="utf-8"?>
 <p:sld xmlns:a="http://schemas.openxmlformats.org/drawingml/2006/main" xmlns:r="http://schemas.openxmlformats.org/officeDocument/2006/relationships" xmlns:p="http://schemas.openxmlformats.org/presentationml/2006/main">
   <p:cSld>
     <p:spTree>
@@ -2125,7 +4813,7 @@
 </p:sld>
 </file>
 
-<file path=ppt/slides/slide13.xml><?xml version="1.0" encoding="utf-8"?>
+<file path=ppt/slides/slide21.xml><?xml version="1.0" encoding="utf-8"?>
 <p:sld xmlns:a="http://schemas.openxmlformats.org/drawingml/2006/main" xmlns:r="http://schemas.openxmlformats.org/officeDocument/2006/relationships" xmlns:p="http://schemas.openxmlformats.org/presentationml/2006/main">
   <p:cSld>
     <p:spTree>
@@ -2221,11 +4909,7 @@
             </a:r>
             <a:r>
               <a:rPr kumimoji="1" lang="en-US" altLang="zh-CN" dirty="0" smtClean="0"/>
-              <a:t>JVM</a:t>
-            </a:r>
-            <a:r>
-              <a:rPr kumimoji="1" lang="en-US" altLang="zh-CN" dirty="0" smtClean="0"/>
-              <a:t>,</a:t>
+              <a:t>JVM,</a:t>
             </a:r>
             <a:r>
               <a:rPr kumimoji="1" lang="zh-CN" altLang="en-US" dirty="0"/>
@@ -2367,11 +5051,7 @@
             </a:r>
             <a:r>
               <a:rPr kumimoji="1" lang="zh-CN" altLang="en-US" dirty="0" smtClean="0"/>
-              <a:t>：</a:t>
-            </a:r>
-            <a:r>
-              <a:rPr kumimoji="1" lang="zh-CN" altLang="en-US" dirty="0" smtClean="0"/>
-              <a:t>它是运</a:t>
+              <a:t>：它是运</a:t>
             </a:r>
             <a:r>
               <a:rPr kumimoji="1" lang="zh-CN" altLang="en-US" dirty="0"/>
@@ -2428,7 +5108,6 @@
               <a:rPr kumimoji="1" lang="zh-CN" altLang="en-US" dirty="0"/>
               <a:t>。</a:t>
             </a:r>
-            <a:endParaRPr kumimoji="1" lang="zh-CN" altLang="en-US" dirty="0"/>
           </a:p>
           <a:p>
             <a:endParaRPr kumimoji="1" lang="zh-CN" altLang="en-US" dirty="0"/>
@@ -2509,7 +5188,7 @@
 </p:sld>
 </file>
 
-<file path=ppt/slides/slide14.xml><?xml version="1.0" encoding="utf-8"?>
+<file path=ppt/slides/slide22.xml><?xml version="1.0" encoding="utf-8"?>
 <p:sld xmlns:a="http://schemas.openxmlformats.org/drawingml/2006/main" xmlns:r="http://schemas.openxmlformats.org/officeDocument/2006/relationships" xmlns:p="http://schemas.openxmlformats.org/presentationml/2006/main">
   <p:cSld>
     <p:spTree>
@@ -2907,7 +5586,7 @@
 </p:sld>
 </file>
 
-<file path=ppt/slides/slide15.xml><?xml version="1.0" encoding="utf-8"?>
+<file path=ppt/slides/slide23.xml><?xml version="1.0" encoding="utf-8"?>
 <p:sld xmlns:a="http://schemas.openxmlformats.org/drawingml/2006/main" xmlns:r="http://schemas.openxmlformats.org/officeDocument/2006/relationships" xmlns:p="http://schemas.openxmlformats.org/presentationml/2006/main">
   <p:cSld>
     <p:spTree>
@@ -3324,7 +6003,7 @@
 </p:sld>
 </file>
 
-<file path=ppt/slides/slide16.xml><?xml version="1.0" encoding="utf-8"?>
+<file path=ppt/slides/slide24.xml><?xml version="1.0" encoding="utf-8"?>
 <p:sld xmlns:a="http://schemas.openxmlformats.org/drawingml/2006/main" xmlns:r="http://schemas.openxmlformats.org/officeDocument/2006/relationships" xmlns:p="http://schemas.openxmlformats.org/presentationml/2006/main">
   <p:cSld>
     <p:spTree>
@@ -3516,7 +6195,7 @@
 </p:sld>
 </file>
 
-<file path=ppt/slides/slide17.xml><?xml version="1.0" encoding="utf-8"?>
+<file path=ppt/slides/slide25.xml><?xml version="1.0" encoding="utf-8"?>
 <p:sld xmlns:a="http://schemas.openxmlformats.org/drawingml/2006/main" xmlns:r="http://schemas.openxmlformats.org/officeDocument/2006/relationships" xmlns:p="http://schemas.openxmlformats.org/presentationml/2006/main">
   <p:cSld>
     <p:spTree>
@@ -3664,7 +6343,7 @@
 </p:sld>
 </file>
 
-<file path=ppt/slides/slide18.xml><?xml version="1.0" encoding="utf-8"?>
+<file path=ppt/slides/slide26.xml><?xml version="1.0" encoding="utf-8"?>
 <p:sld xmlns:a="http://schemas.openxmlformats.org/drawingml/2006/main" xmlns:r="http://schemas.openxmlformats.org/officeDocument/2006/relationships" xmlns:p="http://schemas.openxmlformats.org/presentationml/2006/main">
   <p:cSld>
     <p:spTree>
@@ -3694,7 +6373,7 @@
 </p:sld>
 </file>
 
-<file path=ppt/slides/slide19.xml><?xml version="1.0" encoding="utf-8"?>
+<file path=ppt/slides/slide27.xml><?xml version="1.0" encoding="utf-8"?>
 <p:sld xmlns:a="http://schemas.openxmlformats.org/drawingml/2006/main" xmlns:r="http://schemas.openxmlformats.org/officeDocument/2006/relationships" xmlns:p="http://schemas.openxmlformats.org/presentationml/2006/main">
   <p:cSld>
     <p:spTree>
@@ -3829,331 +6508,6 @@
     <p:extLst>
       <p:ext uri="{BB962C8B-B14F-4D97-AF65-F5344CB8AC3E}">
         <p14:creationId xmlns:p14="http://schemas.microsoft.com/office/powerpoint/2010/main" val="1428430781"/>
-      </p:ext>
-    </p:extLst>
-  </p:cSld>
-  <p:clrMapOvr>
-    <a:masterClrMapping/>
-  </p:clrMapOvr>
-</p:sld>
-</file>
-
-<file path=ppt/slides/slide2.xml><?xml version="1.0" encoding="utf-8"?>
-<p:sld xmlns:a="http://schemas.openxmlformats.org/drawingml/2006/main" xmlns:r="http://schemas.openxmlformats.org/officeDocument/2006/relationships" xmlns:p="http://schemas.openxmlformats.org/presentationml/2006/main">
-  <p:cSld>
-    <p:spTree>
-      <p:nvGrpSpPr>
-        <p:cNvPr id="1" name=""/>
-        <p:cNvGrpSpPr/>
-        <p:nvPr/>
-      </p:nvGrpSpPr>
-      <p:grpSpPr>
-        <a:xfrm>
-          <a:off x="0" y="0"/>
-          <a:ext cx="0" cy="0"/>
-          <a:chOff x="0" y="0"/>
-          <a:chExt cx="0" cy="0"/>
-        </a:xfrm>
-      </p:grpSpPr>
-      <p:sp>
-        <p:nvSpPr>
-          <p:cNvPr id="2" name="文本框 1"/>
-          <p:cNvSpPr txBox="1"/>
-          <p:nvPr/>
-        </p:nvSpPr>
-        <p:spPr>
-          <a:xfrm>
-            <a:off x="1949407" y="1909854"/>
-            <a:ext cx="184666" cy="369332"/>
-          </a:xfrm>
-          <a:prstGeom prst="rect">
-            <a:avLst/>
-          </a:prstGeom>
-          <a:noFill/>
-        </p:spPr>
-        <p:txBody>
-          <a:bodyPr wrap="none" rtlCol="0">
-            <a:spAutoFit/>
-          </a:bodyPr>
-          <a:lstStyle/>
-          <a:p>
-            <a:endParaRPr kumimoji="1" lang="zh-CN" altLang="en-US" dirty="0"/>
-          </a:p>
-        </p:txBody>
-      </p:sp>
-      <p:sp>
-        <p:nvSpPr>
-          <p:cNvPr id="3" name="文本框 2"/>
-          <p:cNvSpPr txBox="1"/>
-          <p:nvPr/>
-        </p:nvSpPr>
-        <p:spPr>
-          <a:xfrm>
-            <a:off x="2195544" y="1102596"/>
-            <a:ext cx="3595655" cy="369332"/>
-          </a:xfrm>
-          <a:prstGeom prst="rect">
-            <a:avLst/>
-          </a:prstGeom>
-          <a:noFill/>
-        </p:spPr>
-        <p:txBody>
-          <a:bodyPr wrap="square" rtlCol="0">
-            <a:spAutoFit/>
-          </a:bodyPr>
-          <a:lstStyle/>
-          <a:p>
-            <a:endParaRPr kumimoji="1" lang="zh-CN" altLang="en-US" dirty="0"/>
-          </a:p>
-        </p:txBody>
-      </p:sp>
-      <p:sp>
-        <p:nvSpPr>
-          <p:cNvPr id="5" name="文本框 4"/>
-          <p:cNvSpPr txBox="1"/>
-          <p:nvPr/>
-        </p:nvSpPr>
-        <p:spPr>
-          <a:xfrm>
-            <a:off x="1506360" y="1201042"/>
-            <a:ext cx="184666" cy="369332"/>
-          </a:xfrm>
-          <a:prstGeom prst="rect">
-            <a:avLst/>
-          </a:prstGeom>
-          <a:noFill/>
-        </p:spPr>
-        <p:txBody>
-          <a:bodyPr wrap="none" rtlCol="0">
-            <a:spAutoFit/>
-          </a:bodyPr>
-          <a:lstStyle/>
-          <a:p>
-            <a:endParaRPr kumimoji="1" lang="zh-CN" altLang="en-US" dirty="0"/>
-          </a:p>
-        </p:txBody>
-      </p:sp>
-      <p:sp>
-        <p:nvSpPr>
-          <p:cNvPr id="10" name="文本框 9"/>
-          <p:cNvSpPr txBox="1"/>
-          <p:nvPr/>
-        </p:nvSpPr>
-        <p:spPr>
-          <a:xfrm>
-            <a:off x="1023931" y="1457002"/>
-            <a:ext cx="4879148" cy="3416320"/>
-          </a:xfrm>
-          <a:prstGeom prst="rect">
-            <a:avLst/>
-          </a:prstGeom>
-          <a:noFill/>
-        </p:spPr>
-        <p:txBody>
-          <a:bodyPr wrap="none" rtlCol="0">
-            <a:spAutoFit/>
-          </a:bodyPr>
-          <a:lstStyle/>
-          <a:p>
-            <a:r>
-              <a:rPr kumimoji="1" lang="en-US" altLang="zh-CN" dirty="0" smtClean="0"/>
-              <a:t>1.</a:t>
-            </a:r>
-            <a:r>
-              <a:rPr kumimoji="1" lang="zh-CN" altLang="en-US" dirty="0" smtClean="0"/>
-              <a:t>单元测试概念</a:t>
-            </a:r>
-            <a:endParaRPr kumimoji="1" lang="en-US" altLang="zh-CN" dirty="0" smtClean="0"/>
-          </a:p>
-          <a:p>
-            <a:endParaRPr kumimoji="1" lang="en-US" altLang="zh-CN" dirty="0" smtClean="0"/>
-          </a:p>
-          <a:p>
-            <a:r>
-              <a:rPr kumimoji="1" lang="zh-CN" altLang="zh-CN" dirty="0" smtClean="0"/>
-              <a:t>2</a:t>
-            </a:r>
-            <a:r>
-              <a:rPr kumimoji="1" lang="en-US" altLang="zh-CN" dirty="0" smtClean="0"/>
-              <a:t>.</a:t>
-            </a:r>
-            <a:r>
-              <a:rPr kumimoji="1" lang="zh-CN" altLang="en-US" dirty="0" smtClean="0"/>
-              <a:t>为什么需要做单元测试</a:t>
-            </a:r>
-            <a:endParaRPr kumimoji="1" lang="en-US" altLang="zh-CN" dirty="0" smtClean="0"/>
-          </a:p>
-          <a:p>
-            <a:r>
-              <a:rPr kumimoji="1" lang="zh-CN" altLang="zh-CN" dirty="0" smtClean="0"/>
-              <a:t> </a:t>
-            </a:r>
-            <a:r>
-              <a:rPr kumimoji="1" lang="zh-CN" altLang="en-US" dirty="0" smtClean="0"/>
-              <a:t> </a:t>
-            </a:r>
-            <a:endParaRPr kumimoji="1" lang="en-US" altLang="zh-CN" dirty="0" smtClean="0"/>
-          </a:p>
-          <a:p>
-            <a:r>
-              <a:rPr kumimoji="1" lang="zh-CN" altLang="zh-CN" dirty="0" smtClean="0"/>
-              <a:t>3</a:t>
-            </a:r>
-            <a:r>
-              <a:rPr kumimoji="1" lang="en-US" altLang="zh-CN" dirty="0" smtClean="0"/>
-              <a:t>.</a:t>
-            </a:r>
-            <a:r>
-              <a:rPr kumimoji="1" lang="zh-CN" altLang="en-US" dirty="0" smtClean="0"/>
-              <a:t>单元测试，集成测试，系统测试</a:t>
-            </a:r>
-            <a:endParaRPr kumimoji="1" lang="en-US" altLang="zh-CN" dirty="0" smtClean="0"/>
-          </a:p>
-          <a:p>
-            <a:endParaRPr kumimoji="1" lang="en-US" altLang="zh-CN" dirty="0"/>
-          </a:p>
-          <a:p>
-            <a:r>
-              <a:rPr kumimoji="1" lang="zh-CN" altLang="zh-CN" dirty="0"/>
-              <a:t>4</a:t>
-            </a:r>
-            <a:r>
-              <a:rPr kumimoji="1" lang="en-US" altLang="zh-CN" dirty="0" smtClean="0"/>
-              <a:t>.</a:t>
-            </a:r>
-            <a:r>
-              <a:rPr kumimoji="1" lang="zh-CN" altLang="en-US" dirty="0" smtClean="0"/>
-              <a:t>如何做单元测试，小</a:t>
-            </a:r>
-            <a:r>
-              <a:rPr kumimoji="1" lang="en-US" altLang="zh-CN" dirty="0" smtClean="0"/>
-              <a:t>demo</a:t>
-            </a:r>
-            <a:r>
-              <a:rPr kumimoji="1" lang="zh-CN" altLang="en-US" dirty="0" smtClean="0"/>
-              <a:t>和实际项目中例子</a:t>
-            </a:r>
-            <a:endParaRPr kumimoji="1" lang="en-US" altLang="zh-CN" dirty="0" smtClean="0"/>
-          </a:p>
-          <a:p>
-            <a:endParaRPr kumimoji="1" lang="en-US" altLang="zh-CN" dirty="0" smtClean="0"/>
-          </a:p>
-          <a:p>
-            <a:r>
-              <a:rPr kumimoji="1" lang="zh-CN" altLang="zh-CN" dirty="0" smtClean="0"/>
-              <a:t>5</a:t>
-            </a:r>
-            <a:r>
-              <a:rPr kumimoji="1" lang="en-US" altLang="zh-CN" dirty="0" smtClean="0"/>
-              <a:t>.</a:t>
-            </a:r>
-            <a:r>
-              <a:rPr kumimoji="1" lang="zh-CN" altLang="en-US" dirty="0" smtClean="0"/>
-              <a:t>安卓单元测试框架简介</a:t>
-            </a:r>
-            <a:endParaRPr kumimoji="1" lang="en-US" altLang="zh-CN" dirty="0" smtClean="0"/>
-          </a:p>
-          <a:p>
-            <a:endParaRPr kumimoji="1" lang="en-US" altLang="zh-CN" dirty="0"/>
-          </a:p>
-          <a:p>
-            <a:r>
-              <a:rPr kumimoji="1" lang="zh-CN" altLang="en-US" dirty="0"/>
-              <a:t> </a:t>
-            </a:r>
-            <a:r>
-              <a:rPr kumimoji="1" lang="zh-CN" altLang="zh-CN" dirty="0" smtClean="0"/>
-              <a:t>5</a:t>
-            </a:r>
-            <a:r>
-              <a:rPr kumimoji="1" lang="en-US" altLang="zh-CN" dirty="0" smtClean="0"/>
-              <a:t>.</a:t>
-            </a:r>
-            <a:r>
-              <a:rPr kumimoji="1" lang="zh-CN" altLang="en-US" dirty="0" smtClean="0"/>
-              <a:t>测试驱动开发</a:t>
-            </a:r>
-            <a:r>
-              <a:rPr kumimoji="1" lang="en-US" altLang="zh-CN" dirty="0"/>
-              <a:t>TDD</a:t>
-            </a:r>
-          </a:p>
-          <a:p>
-            <a:endParaRPr kumimoji="1" lang="en-US" altLang="zh-CN" dirty="0" smtClean="0"/>
-          </a:p>
-        </p:txBody>
-      </p:sp>
-    </p:spTree>
-    <p:extLst>
-      <p:ext uri="{BB962C8B-B14F-4D97-AF65-F5344CB8AC3E}">
-        <p14:creationId xmlns:p14="http://schemas.microsoft.com/office/powerpoint/2010/main" val="3796949858"/>
-      </p:ext>
-    </p:extLst>
-  </p:cSld>
-  <p:clrMapOvr>
-    <a:masterClrMapping/>
-  </p:clrMapOvr>
-</p:sld>
-</file>
-
-<file path=ppt/slides/slide20.xml><?xml version="1.0" encoding="utf-8"?>
-<p:sld xmlns:a="http://schemas.openxmlformats.org/drawingml/2006/main" xmlns:r="http://schemas.openxmlformats.org/officeDocument/2006/relationships" xmlns:p="http://schemas.openxmlformats.org/presentationml/2006/main">
-  <p:cSld>
-    <p:spTree>
-      <p:nvGrpSpPr>
-        <p:cNvPr id="1" name=""/>
-        <p:cNvGrpSpPr/>
-        <p:nvPr/>
-      </p:nvGrpSpPr>
-      <p:grpSpPr>
-        <a:xfrm>
-          <a:off x="0" y="0"/>
-          <a:ext cx="0" cy="0"/>
-          <a:chOff x="0" y="0"/>
-          <a:chExt cx="0" cy="0"/>
-        </a:xfrm>
-      </p:grpSpPr>
-      <p:sp>
-        <p:nvSpPr>
-          <p:cNvPr id="4" name="文本框 3"/>
-          <p:cNvSpPr txBox="1"/>
-          <p:nvPr/>
-        </p:nvSpPr>
-        <p:spPr>
-          <a:xfrm>
-            <a:off x="886094" y="1092751"/>
-            <a:ext cx="5352021" cy="369332"/>
-          </a:xfrm>
-          <a:prstGeom prst="rect">
-            <a:avLst/>
-          </a:prstGeom>
-          <a:noFill/>
-        </p:spPr>
-        <p:txBody>
-          <a:bodyPr wrap="none" rtlCol="0">
-            <a:spAutoFit/>
-          </a:bodyPr>
-          <a:lstStyle/>
-          <a:p>
-            <a:r>
-              <a:rPr kumimoji="1" lang="zh-CN" altLang="en-US" dirty="0"/>
-              <a:t>正常的功能开发，代码设计写码，</a:t>
-            </a:r>
-            <a:r>
-              <a:rPr kumimoji="1" lang="en-US" altLang="zh-CN" dirty="0" err="1"/>
-              <a:t>tdd</a:t>
-            </a:r>
-            <a:r>
-              <a:rPr kumimoji="1" lang="zh-CN" altLang="en-US" dirty="0"/>
-              <a:t>，代码先行。</a:t>
-            </a:r>
-          </a:p>
-        </p:txBody>
-      </p:sp>
-    </p:spTree>
-    <p:extLst>
-      <p:ext uri="{BB962C8B-B14F-4D97-AF65-F5344CB8AC3E}">
-        <p14:creationId xmlns:p14="http://schemas.microsoft.com/office/powerpoint/2010/main" val="2347508431"/>
       </p:ext>
     </p:extLst>
   </p:cSld>
@@ -4353,11 +6707,7 @@
           <a:p>
             <a:r>
               <a:rPr kumimoji="1" lang="en-US" altLang="zh-CN" dirty="0" smtClean="0"/>
-              <a:t>Android</a:t>
-            </a:r>
-            <a:r>
-              <a:rPr kumimoji="1" lang="en-US" altLang="zh-CN" dirty="0" smtClean="0"/>
-              <a:t> </a:t>
+              <a:t>Android </a:t>
             </a:r>
             <a:r>
               <a:rPr kumimoji="1" lang="en-US" altLang="zh-CN" dirty="0" err="1" smtClean="0"/>
@@ -4583,11 +6933,7 @@
             </a:r>
             <a:r>
               <a:rPr kumimoji="1" lang="zh-CN" altLang="en-US" dirty="0" smtClean="0"/>
-              <a:t>本的效果</a:t>
-            </a:r>
-            <a:r>
-              <a:rPr kumimoji="1" lang="zh-CN" altLang="en-US" dirty="0" smtClean="0"/>
-              <a:t>，安卓非</a:t>
+              <a:t>本的效果，安卓非</a:t>
             </a:r>
             <a:r>
               <a:rPr kumimoji="1" lang="en-US" altLang="zh-CN" dirty="0" smtClean="0"/>
@@ -4956,14 +7302,14 @@
       </p:grpSpPr>
       <p:sp>
         <p:nvSpPr>
-          <p:cNvPr id="3" name="文本框 2"/>
+          <p:cNvPr id="2" name="文本框 1"/>
           <p:cNvSpPr txBox="1"/>
           <p:nvPr/>
         </p:nvSpPr>
         <p:spPr>
           <a:xfrm>
-            <a:off x="935322" y="1102596"/>
-            <a:ext cx="7439657" cy="2031325"/>
+            <a:off x="2628746" y="2343017"/>
+            <a:ext cx="3162454" cy="646331"/>
           </a:xfrm>
           <a:prstGeom prst="rect">
             <a:avLst/>
@@ -4971,94 +7317,18 @@
           <a:noFill/>
         </p:spPr>
         <p:txBody>
-          <a:bodyPr wrap="none" rtlCol="0">
+          <a:bodyPr wrap="square" rtlCol="0">
             <a:spAutoFit/>
           </a:bodyPr>
           <a:lstStyle/>
           <a:p>
             <a:r>
-              <a:rPr kumimoji="1" lang="zh-CN" altLang="en-US" dirty="0"/>
-              <a:t>常用的断言</a:t>
-            </a:r>
-            <a:r>
-              <a:rPr kumimoji="1" lang="zh-CN" altLang="en-US" dirty="0" smtClean="0"/>
-              <a:t>命令</a:t>
-            </a:r>
-            <a:r>
-              <a:rPr kumimoji="1" lang="zh-CN" altLang="en-US" dirty="0" smtClean="0"/>
-              <a:t>：</a:t>
-            </a:r>
-            <a:endParaRPr kumimoji="1" lang="en-US" altLang="zh-CN" dirty="0" smtClean="0"/>
-          </a:p>
-          <a:p>
-            <a:r>
-              <a:rPr kumimoji="1" lang="en-US" altLang="zh-CN" dirty="0" err="1" smtClean="0"/>
-              <a:t>asertEquals</a:t>
-            </a:r>
-            <a:r>
-              <a:rPr kumimoji="1" lang="en-US" altLang="zh-CN" dirty="0" smtClean="0"/>
-              <a:t> </a:t>
-            </a:r>
-            <a:r>
-              <a:rPr kumimoji="1" lang="en-US" altLang="zh-CN" dirty="0" err="1"/>
-              <a:t>asserthat</a:t>
-            </a:r>
-            <a:r>
-              <a:rPr kumimoji="1" lang="en-US" altLang="zh-CN" dirty="0"/>
-              <a:t> </a:t>
-            </a:r>
-          </a:p>
-          <a:p>
-            <a:r>
-              <a:rPr kumimoji="1" lang="en-US" altLang="zh-CN" dirty="0" err="1"/>
-              <a:t>assertTrue,assertFalse</a:t>
-            </a:r>
-            <a:endParaRPr kumimoji="1" lang="en-US" altLang="zh-CN" dirty="0"/>
-          </a:p>
-          <a:p>
-            <a:r>
-              <a:rPr kumimoji="1" lang="zh-CN" altLang="en-US" dirty="0" smtClean="0"/>
-              <a:t>常用验证调用命令：</a:t>
-            </a:r>
-            <a:r>
-              <a:rPr kumimoji="1" lang="en-US" altLang="zh-CN" dirty="0" err="1" smtClean="0"/>
-              <a:t>verfy</a:t>
-            </a:r>
-            <a:endParaRPr kumimoji="1" lang="zh-CN" altLang="en-US" dirty="0"/>
-          </a:p>
-          <a:p>
-            <a:r>
-              <a:rPr kumimoji="1" lang="en-US" altLang="zh-CN" dirty="0" smtClean="0"/>
-              <a:t>mock </a:t>
-            </a:r>
-            <a:r>
-              <a:rPr kumimoji="1" lang="zh-CN" altLang="en-US" dirty="0" smtClean="0"/>
-              <a:t>概念</a:t>
-            </a:r>
-            <a:r>
-              <a:rPr kumimoji="1" lang="zh-CN" altLang="en-US" dirty="0" smtClean="0"/>
-              <a:t>：隔离依赖</a:t>
-            </a:r>
-            <a:r>
-              <a:rPr kumimoji="1" lang="en-US" altLang="zh-CN" dirty="0" smtClean="0"/>
-              <a:t>-</a:t>
-            </a:r>
-          </a:p>
-          <a:p>
-            <a:r>
-              <a:rPr kumimoji="1" lang="en-US" altLang="zh-CN" dirty="0" smtClean="0"/>
-              <a:t>mock </a:t>
-            </a:r>
-            <a:r>
-              <a:rPr kumimoji="1" lang="zh-CN" altLang="en-US" dirty="0"/>
-              <a:t>技术使用场景是在现有代码已经开发完成，需要做代码测试覆盖。</a:t>
-            </a:r>
-          </a:p>
-          <a:p>
-            <a:r>
-              <a:rPr kumimoji="1" lang="zh-CN" altLang="en-US" dirty="0"/>
-              <a:t>如果是开发阶段去开发的话，最好使用测试驱动开发，</a:t>
-            </a:r>
+              <a:rPr kumimoji="1" lang="zh-CN" altLang="en-US" dirty="0" smtClean="0"/>
+              <a:t>单元测试如何去做</a:t>
+            </a:r>
+            <a:endParaRPr kumimoji="1" lang="en-US" altLang="zh-CN" dirty="0" smtClean="0"/>
+          </a:p>
+          <a:p>
             <a:endParaRPr kumimoji="1" lang="zh-CN" altLang="en-US" dirty="0"/>
           </a:p>
         </p:txBody>
@@ -5066,7 +7336,7 @@
     </p:spTree>
     <p:extLst>
       <p:ext uri="{BB962C8B-B14F-4D97-AF65-F5344CB8AC3E}">
-        <p14:creationId xmlns:p14="http://schemas.microsoft.com/office/powerpoint/2010/main" val="2765235475"/>
+        <p14:creationId xmlns:p14="http://schemas.microsoft.com/office/powerpoint/2010/main" val="4051563728"/>
       </p:ext>
     </p:extLst>
   </p:cSld>
@@ -5101,8 +7371,8 @@
         </p:nvSpPr>
         <p:spPr>
           <a:xfrm>
-            <a:off x="2628746" y="2343017"/>
-            <a:ext cx="3162454" cy="646331"/>
+            <a:off x="1620456" y="1412111"/>
+            <a:ext cx="3600922" cy="2862322"/>
           </a:xfrm>
           <a:prstGeom prst="rect">
             <a:avLst/>
@@ -5110,18 +7380,106 @@
           <a:noFill/>
         </p:spPr>
         <p:txBody>
-          <a:bodyPr wrap="square" rtlCol="0">
+          <a:bodyPr wrap="none" rtlCol="0">
             <a:spAutoFit/>
           </a:bodyPr>
           <a:lstStyle/>
           <a:p>
             <a:r>
               <a:rPr kumimoji="1" lang="zh-CN" altLang="en-US" dirty="0" smtClean="0"/>
-              <a:t>单元测试如何去做</a:t>
-            </a:r>
-            <a:endParaRPr kumimoji="1" lang="en-US" altLang="zh-CN" dirty="0" smtClean="0"/>
-          </a:p>
-          <a:p>
+              <a:t>一个最简单的例子</a:t>
+            </a:r>
+            <a:endParaRPr kumimoji="1" lang="en-US" altLang="zh-CN" dirty="0" smtClean="0"/>
+          </a:p>
+          <a:p>
+            <a:endParaRPr kumimoji="1" lang="en-US" altLang="zh-CN" dirty="0"/>
+          </a:p>
+          <a:p>
+            <a:r>
+              <a:rPr kumimoji="1" lang="en-US" altLang="zh-CN" dirty="0"/>
+              <a:t>public class </a:t>
+            </a:r>
+            <a:r>
+              <a:rPr kumimoji="1" lang="en-US" altLang="zh-CN" dirty="0" err="1"/>
+              <a:t>Calculater</a:t>
+            </a:r>
+            <a:r>
+              <a:rPr kumimoji="1" lang="en-US" altLang="zh-CN" dirty="0"/>
+              <a:t> {    </a:t>
+            </a:r>
+            <a:endParaRPr kumimoji="1" lang="en-US" altLang="zh-CN" dirty="0" smtClean="0"/>
+          </a:p>
+          <a:p>
+            <a:endParaRPr kumimoji="1" lang="en-US" altLang="zh-CN" dirty="0" smtClean="0"/>
+          </a:p>
+          <a:p>
+            <a:r>
+              <a:rPr kumimoji="1" lang="en-US" altLang="zh-CN" dirty="0" smtClean="0"/>
+              <a:t>	public </a:t>
+            </a:r>
+            <a:r>
+              <a:rPr kumimoji="1" lang="en-US" altLang="zh-CN" dirty="0" err="1"/>
+              <a:t>int</a:t>
+            </a:r>
+            <a:r>
+              <a:rPr kumimoji="1" lang="en-US" altLang="zh-CN" dirty="0"/>
+              <a:t> add(</a:t>
+            </a:r>
+            <a:r>
+              <a:rPr kumimoji="1" lang="en-US" altLang="zh-CN" dirty="0" err="1"/>
+              <a:t>int</a:t>
+            </a:r>
+            <a:r>
+              <a:rPr kumimoji="1" lang="en-US" altLang="zh-CN" dirty="0"/>
+              <a:t> a, </a:t>
+            </a:r>
+            <a:r>
+              <a:rPr kumimoji="1" lang="en-US" altLang="zh-CN" dirty="0" err="1"/>
+              <a:t>int</a:t>
+            </a:r>
+            <a:r>
+              <a:rPr kumimoji="1" lang="en-US" altLang="zh-CN" dirty="0"/>
+              <a:t> b) </a:t>
+            </a:r>
+            <a:r>
+              <a:rPr kumimoji="1" lang="en-US" altLang="zh-CN" dirty="0" smtClean="0"/>
+              <a:t>{</a:t>
+            </a:r>
+          </a:p>
+          <a:p>
+            <a:r>
+              <a:rPr kumimoji="1" lang="en-US" altLang="zh-CN" dirty="0" smtClean="0"/>
+              <a:t>        </a:t>
+            </a:r>
+          </a:p>
+          <a:p>
+            <a:r>
+              <a:rPr kumimoji="1" lang="en-US" altLang="zh-CN" dirty="0" smtClean="0"/>
+              <a:t>	return </a:t>
+            </a:r>
+            <a:r>
+              <a:rPr kumimoji="1" lang="en-US" altLang="zh-CN" dirty="0"/>
+              <a:t>a + b;   </a:t>
+            </a:r>
+            <a:endParaRPr kumimoji="1" lang="en-US" altLang="zh-CN" dirty="0" smtClean="0"/>
+          </a:p>
+          <a:p>
+            <a:r>
+              <a:rPr kumimoji="1" lang="en-US" altLang="zh-CN" dirty="0" smtClean="0"/>
+              <a:t> </a:t>
+            </a:r>
+          </a:p>
+          <a:p>
+            <a:r>
+              <a:rPr kumimoji="1" lang="en-US" altLang="zh-CN" dirty="0" smtClean="0"/>
+              <a:t>	}</a:t>
+            </a:r>
+          </a:p>
+          <a:p>
+            <a:r>
+              <a:rPr kumimoji="1" lang="en-US" altLang="zh-CN" dirty="0" smtClean="0"/>
+              <a:t>}</a:t>
+            </a:r>
             <a:endParaRPr kumimoji="1" lang="zh-CN" altLang="en-US" dirty="0"/>
           </a:p>
         </p:txBody>
@@ -5129,7 +7487,7 @@
     </p:spTree>
     <p:extLst>
       <p:ext uri="{BB962C8B-B14F-4D97-AF65-F5344CB8AC3E}">
-        <p14:creationId xmlns:p14="http://schemas.microsoft.com/office/powerpoint/2010/main" val="4051563728"/>
+        <p14:creationId xmlns:p14="http://schemas.microsoft.com/office/powerpoint/2010/main" val="1532106967"/>
       </p:ext>
     </p:extLst>
   </p:cSld>
